--- a/FitForYou.pptx
+++ b/FitForYou.pptx
@@ -816,7 +816,7 @@
   <p:cSld>
     <p:spTree>
       <p:nvGrpSpPr>
-        <p:cNvPr id="386" name="Shape 386"/>
+        <p:cNvPr id="370" name="Shape 370"/>
         <p:cNvGrpSpPr/>
         <p:nvPr/>
       </p:nvGrpSpPr>
@@ -830,7 +830,7 @@
       </p:grpSpPr>
       <p:sp>
         <p:nvSpPr>
-          <p:cNvPr id="387" name="Google Shape;387;gd608047511_2_535:notes"/>
+          <p:cNvPr id="371" name="Google Shape;371;gd608047511_2_607:notes"/>
           <p:cNvSpPr/>
           <p:nvPr>
             <p:ph idx="2" type="sldImg"/>
@@ -865,7 +865,7 @@
       </p:sp>
       <p:sp>
         <p:nvSpPr>
-          <p:cNvPr id="388" name="Google Shape;388;gd608047511_2_535:notes"/>
+          <p:cNvPr id="372" name="Google Shape;372;gd608047511_2_607:notes"/>
           <p:cNvSpPr txBox="1"/>
           <p:nvPr>
             <p:ph idx="1" type="body"/>
@@ -915,7 +915,7 @@
   <p:cSld>
     <p:spTree>
       <p:nvGrpSpPr>
-        <p:cNvPr id="394" name="Shape 394"/>
+        <p:cNvPr id="377" name="Shape 377"/>
         <p:cNvGrpSpPr/>
         <p:nvPr/>
       </p:nvGrpSpPr>
@@ -929,7 +929,7 @@
       </p:grpSpPr>
       <p:sp>
         <p:nvSpPr>
-          <p:cNvPr id="395" name="Google Shape;395;gd608047511_2_592:notes"/>
+          <p:cNvPr id="378" name="Google Shape;378;gd608047511_2_481:notes"/>
           <p:cNvSpPr/>
           <p:nvPr>
             <p:ph idx="2" type="sldImg"/>
@@ -964,7 +964,7 @@
       </p:sp>
       <p:sp>
         <p:nvSpPr>
-          <p:cNvPr id="396" name="Google Shape;396;gd608047511_2_592:notes"/>
+          <p:cNvPr id="379" name="Google Shape;379;gd608047511_2_481:notes"/>
           <p:cNvSpPr txBox="1"/>
           <p:nvPr>
             <p:ph idx="1" type="body"/>
@@ -1014,7 +1014,7 @@
   <p:cSld>
     <p:spTree>
       <p:nvGrpSpPr>
-        <p:cNvPr id="402" name="Shape 402"/>
+        <p:cNvPr id="386" name="Shape 386"/>
         <p:cNvGrpSpPr/>
         <p:nvPr/>
       </p:nvGrpSpPr>
@@ -1028,7 +1028,7 @@
       </p:grpSpPr>
       <p:sp>
         <p:nvSpPr>
-          <p:cNvPr id="403" name="Google Shape;403;gd608047511_2_549:notes"/>
+          <p:cNvPr id="387" name="Google Shape;387;gd608047511_0_931:notes"/>
           <p:cNvSpPr/>
           <p:nvPr>
             <p:ph idx="2" type="sldImg"/>
@@ -1063,7 +1063,7 @@
       </p:sp>
       <p:sp>
         <p:nvSpPr>
-          <p:cNvPr id="404" name="Google Shape;404;gd608047511_2_549:notes"/>
+          <p:cNvPr id="388" name="Google Shape;388;gd608047511_0_931:notes"/>
           <p:cNvSpPr txBox="1"/>
           <p:nvPr>
             <p:ph idx="1" type="body"/>
@@ -1113,7 +1113,7 @@
   <p:cSld>
     <p:spTree>
       <p:nvGrpSpPr>
-        <p:cNvPr id="407" name="Shape 407"/>
+        <p:cNvPr id="394" name="Shape 394"/>
         <p:cNvGrpSpPr/>
         <p:nvPr/>
       </p:nvGrpSpPr>
@@ -1127,7 +1127,7 @@
       </p:grpSpPr>
       <p:sp>
         <p:nvSpPr>
-          <p:cNvPr id="408" name="Google Shape;408;gd608047511_2_577:notes"/>
+          <p:cNvPr id="395" name="Google Shape;395;gd608047511_0_939:notes"/>
           <p:cNvSpPr/>
           <p:nvPr>
             <p:ph idx="2" type="sldImg"/>
@@ -1162,7 +1162,7 @@
       </p:sp>
       <p:sp>
         <p:nvSpPr>
-          <p:cNvPr id="409" name="Google Shape;409;gd608047511_2_577:notes"/>
+          <p:cNvPr id="396" name="Google Shape;396;gd608047511_0_939:notes"/>
           <p:cNvSpPr txBox="1"/>
           <p:nvPr>
             <p:ph idx="1" type="body"/>
@@ -1212,7 +1212,7 @@
   <p:cSld>
     <p:spTree>
       <p:nvGrpSpPr>
-        <p:cNvPr id="412" name="Shape 412"/>
+        <p:cNvPr id="402" name="Shape 402"/>
         <p:cNvGrpSpPr/>
         <p:nvPr/>
       </p:nvGrpSpPr>
@@ -1226,7 +1226,7 @@
       </p:grpSpPr>
       <p:sp>
         <p:nvSpPr>
-          <p:cNvPr id="413" name="Google Shape;413;gd608047511_2_565:notes"/>
+          <p:cNvPr id="403" name="Google Shape;403;gd608047511_0_946:notes"/>
           <p:cNvSpPr/>
           <p:nvPr>
             <p:ph idx="2" type="sldImg"/>
@@ -1261,7 +1261,7 @@
       </p:sp>
       <p:sp>
         <p:nvSpPr>
-          <p:cNvPr id="414" name="Google Shape;414;gd608047511_2_565:notes"/>
+          <p:cNvPr id="404" name="Google Shape;404;gd608047511_0_946:notes"/>
           <p:cNvSpPr txBox="1"/>
           <p:nvPr>
             <p:ph idx="1" type="body"/>
@@ -1311,7 +1311,7 @@
   <p:cSld>
     <p:spTree>
       <p:nvGrpSpPr>
-        <p:cNvPr id="417" name="Shape 417"/>
+        <p:cNvPr id="411" name="Shape 411"/>
         <p:cNvGrpSpPr/>
         <p:nvPr/>
       </p:nvGrpSpPr>
@@ -1325,7 +1325,7 @@
       </p:grpSpPr>
       <p:sp>
         <p:nvSpPr>
-          <p:cNvPr id="418" name="Google Shape;418;gd608047511_2_569:notes"/>
+          <p:cNvPr id="412" name="Google Shape;412;gd608047511_2_535:notes"/>
           <p:cNvSpPr/>
           <p:nvPr>
             <p:ph idx="2" type="sldImg"/>
@@ -1360,7 +1360,7 @@
       </p:sp>
       <p:sp>
         <p:nvSpPr>
-          <p:cNvPr id="419" name="Google Shape;419;gd608047511_2_569:notes"/>
+          <p:cNvPr id="413" name="Google Shape;413;gd608047511_2_535:notes"/>
           <p:cNvSpPr txBox="1"/>
           <p:nvPr>
             <p:ph idx="1" type="body"/>
@@ -1410,7 +1410,7 @@
   <p:cSld>
     <p:spTree>
       <p:nvGrpSpPr>
-        <p:cNvPr id="422" name="Shape 422"/>
+        <p:cNvPr id="419" name="Shape 419"/>
         <p:cNvGrpSpPr/>
         <p:nvPr/>
       </p:nvGrpSpPr>
@@ -1424,7 +1424,7 @@
       </p:grpSpPr>
       <p:sp>
         <p:nvSpPr>
-          <p:cNvPr id="423" name="Google Shape;423;gd608047511_2_573:notes"/>
+          <p:cNvPr id="420" name="Google Shape;420;gd608047511_2_592:notes"/>
           <p:cNvSpPr/>
           <p:nvPr>
             <p:ph idx="2" type="sldImg"/>
@@ -1459,7 +1459,7 @@
       </p:sp>
       <p:sp>
         <p:nvSpPr>
-          <p:cNvPr id="424" name="Google Shape;424;gd608047511_2_573:notes"/>
+          <p:cNvPr id="421" name="Google Shape;421;gd608047511_2_592:notes"/>
           <p:cNvSpPr txBox="1"/>
           <p:nvPr>
             <p:ph idx="1" type="body"/>
@@ -2018,7 +2018,7 @@
       </p:grpSpPr>
       <p:sp>
         <p:nvSpPr>
-          <p:cNvPr id="328" name="Google Shape;328;gd608047511_2_467:notes"/>
+          <p:cNvPr id="328" name="Google Shape;328;gd608047511_2_549:notes"/>
           <p:cNvSpPr/>
           <p:nvPr>
             <p:ph idx="2" type="sldImg"/>
@@ -2053,7 +2053,7 @@
       </p:sp>
       <p:sp>
         <p:nvSpPr>
-          <p:cNvPr id="329" name="Google Shape;329;gd608047511_2_467:notes"/>
+          <p:cNvPr id="329" name="Google Shape;329;gd608047511_2_549:notes"/>
           <p:cNvSpPr txBox="1"/>
           <p:nvPr>
             <p:ph idx="1" type="body"/>
@@ -2103,7 +2103,7 @@
   <p:cSld>
     <p:spTree>
       <p:nvGrpSpPr>
-        <p:cNvPr id="334" name="Shape 334"/>
+        <p:cNvPr id="332" name="Shape 332"/>
         <p:cNvGrpSpPr/>
         <p:nvPr/>
       </p:nvGrpSpPr>
@@ -2117,7 +2117,7 @@
       </p:grpSpPr>
       <p:sp>
         <p:nvSpPr>
-          <p:cNvPr id="335" name="Google Shape;335;gd608047511_2_487:notes"/>
+          <p:cNvPr id="333" name="Google Shape;333;gd608047511_2_577:notes"/>
           <p:cNvSpPr/>
           <p:nvPr>
             <p:ph idx="2" type="sldImg"/>
@@ -2152,7 +2152,7 @@
       </p:sp>
       <p:sp>
         <p:nvSpPr>
-          <p:cNvPr id="336" name="Google Shape;336;gd608047511_2_487:notes"/>
+          <p:cNvPr id="334" name="Google Shape;334;gd608047511_2_577:notes"/>
           <p:cNvSpPr txBox="1"/>
           <p:nvPr>
             <p:ph idx="1" type="body"/>
@@ -2202,7 +2202,7 @@
   <p:cSld>
     <p:spTree>
       <p:nvGrpSpPr>
-        <p:cNvPr id="345" name="Shape 345"/>
+        <p:cNvPr id="337" name="Shape 337"/>
         <p:cNvGrpSpPr/>
         <p:nvPr/>
       </p:nvGrpSpPr>
@@ -2216,7 +2216,7 @@
       </p:grpSpPr>
       <p:sp>
         <p:nvSpPr>
-          <p:cNvPr id="346" name="Google Shape;346;gd608047511_2_607:notes"/>
+          <p:cNvPr id="338" name="Google Shape;338;gd608047511_2_565:notes"/>
           <p:cNvSpPr/>
           <p:nvPr>
             <p:ph idx="2" type="sldImg"/>
@@ -2251,7 +2251,7 @@
       </p:sp>
       <p:sp>
         <p:nvSpPr>
-          <p:cNvPr id="347" name="Google Shape;347;gd608047511_2_607:notes"/>
+          <p:cNvPr id="339" name="Google Shape;339;gd608047511_2_565:notes"/>
           <p:cNvSpPr txBox="1"/>
           <p:nvPr>
             <p:ph idx="1" type="body"/>
@@ -2301,7 +2301,7 @@
   <p:cSld>
     <p:spTree>
       <p:nvGrpSpPr>
-        <p:cNvPr id="352" name="Shape 352"/>
+        <p:cNvPr id="342" name="Shape 342"/>
         <p:cNvGrpSpPr/>
         <p:nvPr/>
       </p:nvGrpSpPr>
@@ -2315,7 +2315,7 @@
       </p:grpSpPr>
       <p:sp>
         <p:nvSpPr>
-          <p:cNvPr id="353" name="Google Shape;353;gd608047511_2_481:notes"/>
+          <p:cNvPr id="343" name="Google Shape;343;gd608047511_2_569:notes"/>
           <p:cNvSpPr/>
           <p:nvPr>
             <p:ph idx="2" type="sldImg"/>
@@ -2350,7 +2350,7 @@
       </p:sp>
       <p:sp>
         <p:nvSpPr>
-          <p:cNvPr id="354" name="Google Shape;354;gd608047511_2_481:notes"/>
+          <p:cNvPr id="344" name="Google Shape;344;gd608047511_2_569:notes"/>
           <p:cNvSpPr txBox="1"/>
           <p:nvPr>
             <p:ph idx="1" type="body"/>
@@ -2400,7 +2400,7 @@
   <p:cSld>
     <p:spTree>
       <p:nvGrpSpPr>
-        <p:cNvPr id="361" name="Shape 361"/>
+        <p:cNvPr id="347" name="Shape 347"/>
         <p:cNvGrpSpPr/>
         <p:nvPr/>
       </p:nvGrpSpPr>
@@ -2414,7 +2414,7 @@
       </p:grpSpPr>
       <p:sp>
         <p:nvSpPr>
-          <p:cNvPr id="362" name="Google Shape;362;gd608047511_0_931:notes"/>
+          <p:cNvPr id="348" name="Google Shape;348;gd608047511_2_573:notes"/>
           <p:cNvSpPr/>
           <p:nvPr>
             <p:ph idx="2" type="sldImg"/>
@@ -2449,7 +2449,7 @@
       </p:sp>
       <p:sp>
         <p:nvSpPr>
-          <p:cNvPr id="363" name="Google Shape;363;gd608047511_0_931:notes"/>
+          <p:cNvPr id="349" name="Google Shape;349;gd608047511_2_573:notes"/>
           <p:cNvSpPr txBox="1"/>
           <p:nvPr>
             <p:ph idx="1" type="body"/>
@@ -2499,7 +2499,7 @@
   <p:cSld>
     <p:spTree>
       <p:nvGrpSpPr>
-        <p:cNvPr id="369" name="Shape 369"/>
+        <p:cNvPr id="352" name="Shape 352"/>
         <p:cNvGrpSpPr/>
         <p:nvPr/>
       </p:nvGrpSpPr>
@@ -2513,7 +2513,7 @@
       </p:grpSpPr>
       <p:sp>
         <p:nvSpPr>
-          <p:cNvPr id="370" name="Google Shape;370;gd608047511_0_939:notes"/>
+          <p:cNvPr id="353" name="Google Shape;353;gd608047511_2_467:notes"/>
           <p:cNvSpPr/>
           <p:nvPr>
             <p:ph idx="2" type="sldImg"/>
@@ -2548,7 +2548,7 @@
       </p:sp>
       <p:sp>
         <p:nvSpPr>
-          <p:cNvPr id="371" name="Google Shape;371;gd608047511_0_939:notes"/>
+          <p:cNvPr id="354" name="Google Shape;354;gd608047511_2_467:notes"/>
           <p:cNvSpPr txBox="1"/>
           <p:nvPr>
             <p:ph idx="1" type="body"/>
@@ -2598,7 +2598,7 @@
   <p:cSld>
     <p:spTree>
       <p:nvGrpSpPr>
-        <p:cNvPr id="377" name="Shape 377"/>
+        <p:cNvPr id="359" name="Shape 359"/>
         <p:cNvGrpSpPr/>
         <p:nvPr/>
       </p:nvGrpSpPr>
@@ -2612,7 +2612,7 @@
       </p:grpSpPr>
       <p:sp>
         <p:nvSpPr>
-          <p:cNvPr id="378" name="Google Shape;378;gd608047511_0_946:notes"/>
+          <p:cNvPr id="360" name="Google Shape;360;gd608047511_2_487:notes"/>
           <p:cNvSpPr/>
           <p:nvPr>
             <p:ph idx="2" type="sldImg"/>
@@ -2647,7 +2647,7 @@
       </p:sp>
       <p:sp>
         <p:nvSpPr>
-          <p:cNvPr id="379" name="Google Shape;379;gd608047511_0_946:notes"/>
+          <p:cNvPr id="361" name="Google Shape;361;gd608047511_2_487:notes"/>
           <p:cNvSpPr txBox="1"/>
           <p:nvPr>
             <p:ph idx="1" type="body"/>
@@ -30063,7 +30063,7 @@
   <p:cSld>
     <p:spTree>
       <p:nvGrpSpPr>
-        <p:cNvPr id="389" name="Shape 389"/>
+        <p:cNvPr id="373" name="Shape 373"/>
         <p:cNvGrpSpPr/>
         <p:nvPr/>
       </p:nvGrpSpPr>
@@ -30077,7 +30077,7 @@
       </p:grpSpPr>
       <p:sp>
         <p:nvSpPr>
-          <p:cNvPr id="390" name="Google Shape;390;p30"/>
+          <p:cNvPr id="374" name="Google Shape;374;p30"/>
           <p:cNvSpPr txBox="1"/>
           <p:nvPr>
             <p:ph type="title"/>
@@ -30109,6 +30109,1146 @@
             </a:pPr>
             <a:r>
               <a:rPr lang="pl"/>
+              <a:t>Ważne komendy</a:t>
+            </a:r>
+            <a:endParaRPr/>
+          </a:p>
+        </p:txBody>
+      </p:sp>
+      <p:sp>
+        <p:nvSpPr>
+          <p:cNvPr id="375" name="Google Shape;375;p30"/>
+          <p:cNvSpPr txBox="1"/>
+          <p:nvPr>
+            <p:ph idx="1" type="body"/>
+          </p:nvPr>
+        </p:nvSpPr>
+        <p:spPr>
+          <a:xfrm>
+            <a:off x="332525" y="1302075"/>
+            <a:ext cx="8040000" cy="1269600"/>
+          </a:xfrm>
+          <a:prstGeom prst="rect">
+            <a:avLst/>
+          </a:prstGeom>
+        </p:spPr>
+        <p:txBody>
+          <a:bodyPr anchorCtr="0" anchor="t" bIns="34275" lIns="68575" spcFirstLastPara="1" rIns="68575" wrap="square" tIns="34275">
+            <a:normAutofit/>
+          </a:bodyPr>
+          <a:lstStyle/>
+          <a:p>
+            <a:pPr indent="-349250" lvl="0" marL="457200" rtl="0" algn="l">
+              <a:spcBef>
+                <a:spcPts val="800"/>
+              </a:spcBef>
+              <a:spcAft>
+                <a:spcPts val="0"/>
+              </a:spcAft>
+              <a:buSzPts val="1900"/>
+              <a:buChar char="●"/>
+            </a:pPr>
+            <a:r>
+              <a:rPr lang="pl" sz="1900"/>
+              <a:t>python manage.py runserver</a:t>
+            </a:r>
+            <a:endParaRPr sz="1900"/>
+          </a:p>
+          <a:p>
+            <a:pPr indent="-349250" lvl="0" marL="457200" rtl="0" algn="l">
+              <a:spcBef>
+                <a:spcPts val="0"/>
+              </a:spcBef>
+              <a:spcAft>
+                <a:spcPts val="0"/>
+              </a:spcAft>
+              <a:buSzPts val="1900"/>
+              <a:buChar char="●"/>
+            </a:pPr>
+            <a:r>
+              <a:rPr lang="pl" sz="1900"/>
+              <a:t>python manage.py createsuperuser</a:t>
+            </a:r>
+            <a:endParaRPr sz="1900"/>
+          </a:p>
+          <a:p>
+            <a:pPr indent="-349250" lvl="0" marL="457200" rtl="0" algn="l">
+              <a:spcBef>
+                <a:spcPts val="0"/>
+              </a:spcBef>
+              <a:spcAft>
+                <a:spcPts val="0"/>
+              </a:spcAft>
+              <a:buSzPts val="1900"/>
+              <a:buChar char="●"/>
+            </a:pPr>
+            <a:r>
+              <a:rPr lang="pl" sz="1900"/>
+              <a:t>python manage.py makemigrations</a:t>
+            </a:r>
+            <a:endParaRPr sz="1900"/>
+          </a:p>
+          <a:p>
+            <a:pPr indent="-349250" lvl="0" marL="457200" rtl="0" algn="l">
+              <a:spcBef>
+                <a:spcPts val="0"/>
+              </a:spcBef>
+              <a:spcAft>
+                <a:spcPts val="0"/>
+              </a:spcAft>
+              <a:buSzPts val="1900"/>
+              <a:buChar char="●"/>
+            </a:pPr>
+            <a:r>
+              <a:rPr lang="pl" sz="1900"/>
+              <a:t>python manage.py migrate</a:t>
+            </a:r>
+            <a:endParaRPr sz="2100"/>
+          </a:p>
+        </p:txBody>
+      </p:sp>
+      <p:pic>
+        <p:nvPicPr>
+          <p:cNvPr id="376" name="Google Shape;376;p30"/>
+          <p:cNvPicPr preferRelativeResize="0"/>
+          <p:nvPr/>
+        </p:nvPicPr>
+        <p:blipFill>
+          <a:blip r:embed="rId3">
+            <a:alphaModFix/>
+          </a:blip>
+          <a:stretch>
+            <a:fillRect/>
+          </a:stretch>
+        </p:blipFill>
+        <p:spPr>
+          <a:xfrm>
+            <a:off x="1138200" y="2743200"/>
+            <a:ext cx="6800850" cy="2133600"/>
+          </a:xfrm>
+          <a:prstGeom prst="rect">
+            <a:avLst/>
+          </a:prstGeom>
+          <a:noFill/>
+          <a:ln>
+            <a:noFill/>
+          </a:ln>
+        </p:spPr>
+      </p:pic>
+    </p:spTree>
+  </p:cSld>
+  <p:clrMapOvr>
+    <a:masterClrMapping/>
+  </p:clrMapOvr>
+</p:sld>
+</file>
+
+<file path=ppt/slides/slide11.xml><?xml version="1.0" encoding="utf-8"?>
+<p:sld xmlns:a="http://schemas.openxmlformats.org/drawingml/2006/main" xmlns:r="http://schemas.openxmlformats.org/officeDocument/2006/relationships" xmlns:mc="http://schemas.openxmlformats.org/markup-compatibility/2006" xmlns:mv="urn:schemas-microsoft-com:mac:vml" xmlns:p="http://schemas.openxmlformats.org/presentationml/2006/main" xmlns:c="http://schemas.openxmlformats.org/drawingml/2006/chart" xmlns:dgm="http://schemas.openxmlformats.org/drawingml/2006/diagram" xmlns:o="urn:schemas-microsoft-com:office:office" xmlns:v="urn:schemas-microsoft-com:vml" xmlns:pvml="urn:schemas-microsoft-com:office:powerpoint" xmlns:com="http://schemas.openxmlformats.org/drawingml/2006/compatibility" xmlns:p14="http://schemas.microsoft.com/office/powerpoint/2010/main" xmlns:p15="http://schemas.microsoft.com/office/powerpoint/2012/main" xmlns:ahyp="http://schemas.microsoft.com/office/drawing/2018/hyperlinkcolor">
+  <p:cSld>
+    <p:spTree>
+      <p:nvGrpSpPr>
+        <p:cNvPr id="380" name="Shape 380"/>
+        <p:cNvGrpSpPr/>
+        <p:nvPr/>
+      </p:nvGrpSpPr>
+      <p:grpSpPr>
+        <a:xfrm>
+          <a:off x="0" y="0"/>
+          <a:ext cx="0" cy="0"/>
+          <a:chOff x="0" y="0"/>
+          <a:chExt cx="0" cy="0"/>
+        </a:xfrm>
+      </p:grpSpPr>
+      <p:sp>
+        <p:nvSpPr>
+          <p:cNvPr id="381" name="Google Shape;381;p31"/>
+          <p:cNvSpPr txBox="1"/>
+          <p:nvPr>
+            <p:ph type="title"/>
+          </p:nvPr>
+        </p:nvSpPr>
+        <p:spPr>
+          <a:xfrm>
+            <a:off x="333375" y="407194"/>
+            <a:ext cx="8410500" cy="401700"/>
+          </a:xfrm>
+          <a:prstGeom prst="rect">
+            <a:avLst/>
+          </a:prstGeom>
+        </p:spPr>
+        <p:txBody>
+          <a:bodyPr anchorCtr="0" anchor="t" bIns="34275" lIns="68575" spcFirstLastPara="1" rIns="68575" wrap="square" tIns="34275">
+            <a:spAutoFit/>
+          </a:bodyPr>
+          <a:lstStyle/>
+          <a:p>
+            <a:pPr indent="0" lvl="0" marL="0" rtl="0" algn="l">
+              <a:spcBef>
+                <a:spcPts val="0"/>
+              </a:spcBef>
+              <a:spcAft>
+                <a:spcPts val="0"/>
+              </a:spcAft>
+              <a:buNone/>
+            </a:pPr>
+            <a:r>
+              <a:rPr lang="pl"/>
+              <a:t>urls.py</a:t>
+            </a:r>
+            <a:endParaRPr/>
+          </a:p>
+        </p:txBody>
+      </p:sp>
+      <p:sp>
+        <p:nvSpPr>
+          <p:cNvPr id="382" name="Google Shape;382;p31"/>
+          <p:cNvSpPr txBox="1"/>
+          <p:nvPr>
+            <p:ph idx="1" type="body"/>
+          </p:nvPr>
+        </p:nvSpPr>
+        <p:spPr>
+          <a:xfrm>
+            <a:off x="332525" y="1083475"/>
+            <a:ext cx="3677700" cy="1699200"/>
+          </a:xfrm>
+          <a:prstGeom prst="rect">
+            <a:avLst/>
+          </a:prstGeom>
+        </p:spPr>
+        <p:txBody>
+          <a:bodyPr anchorCtr="0" anchor="t" bIns="34275" lIns="68575" spcFirstLastPara="1" rIns="68575" wrap="square" tIns="34275">
+            <a:normAutofit/>
+          </a:bodyPr>
+          <a:lstStyle/>
+          <a:p>
+            <a:pPr indent="-304800" lvl="0" marL="457200" rtl="0" algn="l">
+              <a:spcBef>
+                <a:spcPts val="800"/>
+              </a:spcBef>
+              <a:spcAft>
+                <a:spcPts val="0"/>
+              </a:spcAft>
+              <a:buSzPts val="1200"/>
+              <a:buChar char="●"/>
+            </a:pPr>
+            <a:r>
+              <a:rPr lang="pl"/>
+              <a:t>Są dwa takie pliki, jeden w naszym projekcie, a drugi w naszej aplikacji</a:t>
+            </a:r>
+            <a:endParaRPr/>
+          </a:p>
+          <a:p>
+            <a:pPr indent="-304800" lvl="0" marL="457200" rtl="0" algn="l">
+              <a:spcBef>
+                <a:spcPts val="0"/>
+              </a:spcBef>
+              <a:spcAft>
+                <a:spcPts val="0"/>
+              </a:spcAft>
+              <a:buSzPts val="1200"/>
+              <a:buChar char="●"/>
+            </a:pPr>
+            <a:r>
+              <a:rPr lang="pl"/>
+              <a:t>pomaga w </a:t>
+            </a:r>
+            <a:r>
+              <a:rPr lang="pl"/>
+              <a:t>przemieszczaniu</a:t>
+            </a:r>
+            <a:r>
+              <a:rPr lang="pl"/>
+              <a:t> się między </a:t>
+            </a:r>
+            <a:r>
+              <a:rPr lang="pl"/>
+              <a:t>podstronami</a:t>
+            </a:r>
+            <a:endParaRPr/>
+          </a:p>
+          <a:p>
+            <a:pPr indent="-304800" lvl="0" marL="457200" rtl="0" algn="l">
+              <a:spcBef>
+                <a:spcPts val="0"/>
+              </a:spcBef>
+              <a:spcAft>
+                <a:spcPts val="0"/>
+              </a:spcAft>
+              <a:buSzPts val="1200"/>
+              <a:buChar char="●"/>
+            </a:pPr>
+            <a:r>
+              <a:rPr lang="pl"/>
+              <a:t>przekazywanie argumentów</a:t>
+            </a:r>
+            <a:endParaRPr/>
+          </a:p>
+        </p:txBody>
+      </p:sp>
+      <p:pic>
+        <p:nvPicPr>
+          <p:cNvPr id="383" name="Google Shape;383;p31"/>
+          <p:cNvPicPr preferRelativeResize="0"/>
+          <p:nvPr/>
+        </p:nvPicPr>
+        <p:blipFill>
+          <a:blip r:embed="rId3">
+            <a:alphaModFix/>
+          </a:blip>
+          <a:stretch>
+            <a:fillRect/>
+          </a:stretch>
+        </p:blipFill>
+        <p:spPr>
+          <a:xfrm>
+            <a:off x="333375" y="2032700"/>
+            <a:ext cx="5016126" cy="2942350"/>
+          </a:xfrm>
+          <a:prstGeom prst="rect">
+            <a:avLst/>
+          </a:prstGeom>
+          <a:noFill/>
+          <a:ln>
+            <a:noFill/>
+          </a:ln>
+        </p:spPr>
+      </p:pic>
+      <p:pic>
+        <p:nvPicPr>
+          <p:cNvPr id="384" name="Google Shape;384;p31"/>
+          <p:cNvPicPr preferRelativeResize="0"/>
+          <p:nvPr/>
+        </p:nvPicPr>
+        <p:blipFill>
+          <a:blip r:embed="rId4">
+            <a:alphaModFix/>
+          </a:blip>
+          <a:stretch>
+            <a:fillRect/>
+          </a:stretch>
+        </p:blipFill>
+        <p:spPr>
+          <a:xfrm>
+            <a:off x="4742025" y="1083475"/>
+            <a:ext cx="4001850" cy="790850"/>
+          </a:xfrm>
+          <a:prstGeom prst="rect">
+            <a:avLst/>
+          </a:prstGeom>
+          <a:noFill/>
+          <a:ln>
+            <a:noFill/>
+          </a:ln>
+        </p:spPr>
+      </p:pic>
+      <p:pic>
+        <p:nvPicPr>
+          <p:cNvPr id="385" name="Google Shape;385;p31"/>
+          <p:cNvPicPr preferRelativeResize="0"/>
+          <p:nvPr/>
+        </p:nvPicPr>
+        <p:blipFill>
+          <a:blip r:embed="rId5">
+            <a:alphaModFix/>
+          </a:blip>
+          <a:stretch>
+            <a:fillRect/>
+          </a:stretch>
+        </p:blipFill>
+        <p:spPr>
+          <a:xfrm>
+            <a:off x="5592425" y="2474400"/>
+            <a:ext cx="2699733" cy="422850"/>
+          </a:xfrm>
+          <a:prstGeom prst="rect">
+            <a:avLst/>
+          </a:prstGeom>
+          <a:noFill/>
+          <a:ln>
+            <a:noFill/>
+          </a:ln>
+        </p:spPr>
+      </p:pic>
+    </p:spTree>
+  </p:cSld>
+  <p:clrMapOvr>
+    <a:masterClrMapping/>
+  </p:clrMapOvr>
+</p:sld>
+</file>
+
+<file path=ppt/slides/slide12.xml><?xml version="1.0" encoding="utf-8"?>
+<p:sld xmlns:a="http://schemas.openxmlformats.org/drawingml/2006/main" xmlns:r="http://schemas.openxmlformats.org/officeDocument/2006/relationships" xmlns:mc="http://schemas.openxmlformats.org/markup-compatibility/2006" xmlns:mv="urn:schemas-microsoft-com:mac:vml" xmlns:p="http://schemas.openxmlformats.org/presentationml/2006/main" xmlns:c="http://schemas.openxmlformats.org/drawingml/2006/chart" xmlns:dgm="http://schemas.openxmlformats.org/drawingml/2006/diagram" xmlns:o="urn:schemas-microsoft-com:office:office" xmlns:v="urn:schemas-microsoft-com:vml" xmlns:pvml="urn:schemas-microsoft-com:office:powerpoint" xmlns:com="http://schemas.openxmlformats.org/drawingml/2006/compatibility" xmlns:p14="http://schemas.microsoft.com/office/powerpoint/2010/main" xmlns:p15="http://schemas.microsoft.com/office/powerpoint/2012/main" xmlns:ahyp="http://schemas.microsoft.com/office/drawing/2018/hyperlinkcolor">
+  <p:cSld>
+    <p:spTree>
+      <p:nvGrpSpPr>
+        <p:cNvPr id="389" name="Shape 389"/>
+        <p:cNvGrpSpPr/>
+        <p:nvPr/>
+      </p:nvGrpSpPr>
+      <p:grpSpPr>
+        <a:xfrm>
+          <a:off x="0" y="0"/>
+          <a:ext cx="0" cy="0"/>
+          <a:chOff x="0" y="0"/>
+          <a:chExt cx="0" cy="0"/>
+        </a:xfrm>
+      </p:grpSpPr>
+      <p:sp>
+        <p:nvSpPr>
+          <p:cNvPr id="390" name="Google Shape;390;p32"/>
+          <p:cNvSpPr txBox="1"/>
+          <p:nvPr>
+            <p:ph type="title"/>
+          </p:nvPr>
+        </p:nvSpPr>
+        <p:spPr>
+          <a:xfrm>
+            <a:off x="333375" y="407194"/>
+            <a:ext cx="8410500" cy="401700"/>
+          </a:xfrm>
+          <a:prstGeom prst="rect">
+            <a:avLst/>
+          </a:prstGeom>
+        </p:spPr>
+        <p:txBody>
+          <a:bodyPr anchorCtr="0" anchor="t" bIns="34275" lIns="68575" spcFirstLastPara="1" rIns="68575" wrap="square" tIns="34275">
+            <a:spAutoFit/>
+          </a:bodyPr>
+          <a:lstStyle/>
+          <a:p>
+            <a:pPr indent="0" lvl="0" marL="0" rtl="0" algn="l">
+              <a:spcBef>
+                <a:spcPts val="0"/>
+              </a:spcBef>
+              <a:spcAft>
+                <a:spcPts val="0"/>
+              </a:spcAft>
+              <a:buNone/>
+            </a:pPr>
+            <a:r>
+              <a:rPr lang="pl"/>
+              <a:t>views.py</a:t>
+            </a:r>
+            <a:endParaRPr/>
+          </a:p>
+        </p:txBody>
+      </p:sp>
+      <p:sp>
+        <p:nvSpPr>
+          <p:cNvPr id="391" name="Google Shape;391;p32"/>
+          <p:cNvSpPr txBox="1"/>
+          <p:nvPr>
+            <p:ph idx="1" type="body"/>
+          </p:nvPr>
+        </p:nvSpPr>
+        <p:spPr>
+          <a:xfrm>
+            <a:off x="1057275" y="1312177"/>
+            <a:ext cx="7029600" cy="2519100"/>
+          </a:xfrm>
+          <a:prstGeom prst="rect">
+            <a:avLst/>
+          </a:prstGeom>
+        </p:spPr>
+        <p:txBody>
+          <a:bodyPr anchorCtr="0" anchor="t" bIns="34275" lIns="68575" spcFirstLastPara="1" rIns="68575" wrap="square" tIns="34275">
+            <a:normAutofit/>
+          </a:bodyPr>
+          <a:lstStyle/>
+          <a:p>
+            <a:pPr indent="-304800" lvl="0" marL="457200" rtl="0" algn="l">
+              <a:spcBef>
+                <a:spcPts val="800"/>
+              </a:spcBef>
+              <a:spcAft>
+                <a:spcPts val="0"/>
+              </a:spcAft>
+              <a:buSzPts val="1200"/>
+              <a:buChar char="●"/>
+            </a:pPr>
+            <a:r>
+              <a:rPr lang="pl" sz="1200"/>
+              <a:t>zawiera funkcje, które wykonują się po wpisaniu w przeglądarce odpowiedni adres. Funkcja poniżej w przeglądarce załaduje to co znajduje się w pliku main.html ( z aplikacji o nazwie Workout )</a:t>
+            </a:r>
+            <a:endParaRPr sz="1200"/>
+          </a:p>
+          <a:p>
+            <a:pPr indent="0" lvl="0" marL="0" rtl="0" algn="l">
+              <a:spcBef>
+                <a:spcPts val="800"/>
+              </a:spcBef>
+              <a:spcAft>
+                <a:spcPts val="0"/>
+              </a:spcAft>
+              <a:buNone/>
+            </a:pPr>
+            <a:r>
+              <a:t/>
+            </a:r>
+            <a:endParaRPr sz="1200"/>
+          </a:p>
+          <a:p>
+            <a:pPr indent="0" lvl="0" marL="0" rtl="0" algn="l">
+              <a:spcBef>
+                <a:spcPts val="800"/>
+              </a:spcBef>
+              <a:spcAft>
+                <a:spcPts val="0"/>
+              </a:spcAft>
+              <a:buNone/>
+            </a:pPr>
+            <a:r>
+              <a:t/>
+            </a:r>
+            <a:endParaRPr sz="1200"/>
+          </a:p>
+          <a:p>
+            <a:pPr indent="0" lvl="0" marL="0" rtl="0" algn="l">
+              <a:spcBef>
+                <a:spcPts val="800"/>
+              </a:spcBef>
+              <a:spcAft>
+                <a:spcPts val="0"/>
+              </a:spcAft>
+              <a:buNone/>
+            </a:pPr>
+            <a:r>
+              <a:t/>
+            </a:r>
+            <a:endParaRPr sz="1200"/>
+          </a:p>
+          <a:p>
+            <a:pPr indent="-304800" lvl="0" marL="457200" rtl="0" algn="l">
+              <a:spcBef>
+                <a:spcPts val="800"/>
+              </a:spcBef>
+              <a:spcAft>
+                <a:spcPts val="0"/>
+              </a:spcAft>
+              <a:buSzPts val="1200"/>
+              <a:buChar char="●"/>
+            </a:pPr>
+            <a:r>
+              <a:rPr lang="pl" sz="1200"/>
+              <a:t>views.py jest połączone z plikiem urls.py, jak widać poniżej jeżeli nasz adres strony będzie domyślny ( np. google.com ) to z views wykonamy funkcje main </a:t>
+            </a:r>
+            <a:endParaRPr sz="1200"/>
+          </a:p>
+        </p:txBody>
+      </p:sp>
+      <p:pic>
+        <p:nvPicPr>
+          <p:cNvPr id="392" name="Google Shape;392;p32"/>
+          <p:cNvPicPr preferRelativeResize="0"/>
+          <p:nvPr/>
+        </p:nvPicPr>
+        <p:blipFill>
+          <a:blip r:embed="rId3">
+            <a:alphaModFix/>
+          </a:blip>
+          <a:stretch>
+            <a:fillRect/>
+          </a:stretch>
+        </p:blipFill>
+        <p:spPr>
+          <a:xfrm>
+            <a:off x="1451050" y="1861124"/>
+            <a:ext cx="5041400" cy="710625"/>
+          </a:xfrm>
+          <a:prstGeom prst="rect">
+            <a:avLst/>
+          </a:prstGeom>
+          <a:noFill/>
+          <a:ln>
+            <a:noFill/>
+          </a:ln>
+        </p:spPr>
+      </p:pic>
+      <p:pic>
+        <p:nvPicPr>
+          <p:cNvPr id="393" name="Google Shape;393;p32"/>
+          <p:cNvPicPr preferRelativeResize="0"/>
+          <p:nvPr/>
+        </p:nvPicPr>
+        <p:blipFill>
+          <a:blip r:embed="rId4">
+            <a:alphaModFix/>
+          </a:blip>
+          <a:stretch>
+            <a:fillRect/>
+          </a:stretch>
+        </p:blipFill>
+        <p:spPr>
+          <a:xfrm>
+            <a:off x="1451043" y="3168300"/>
+            <a:ext cx="4895432" cy="710625"/>
+          </a:xfrm>
+          <a:prstGeom prst="rect">
+            <a:avLst/>
+          </a:prstGeom>
+          <a:noFill/>
+          <a:ln>
+            <a:noFill/>
+          </a:ln>
+        </p:spPr>
+      </p:pic>
+    </p:spTree>
+  </p:cSld>
+  <p:clrMapOvr>
+    <a:masterClrMapping/>
+  </p:clrMapOvr>
+</p:sld>
+</file>
+
+<file path=ppt/slides/slide13.xml><?xml version="1.0" encoding="utf-8"?>
+<p:sld xmlns:a="http://schemas.openxmlformats.org/drawingml/2006/main" xmlns:r="http://schemas.openxmlformats.org/officeDocument/2006/relationships" xmlns:mc="http://schemas.openxmlformats.org/markup-compatibility/2006" xmlns:mv="urn:schemas-microsoft-com:mac:vml" xmlns:p="http://schemas.openxmlformats.org/presentationml/2006/main" xmlns:c="http://schemas.openxmlformats.org/drawingml/2006/chart" xmlns:dgm="http://schemas.openxmlformats.org/drawingml/2006/diagram" xmlns:o="urn:schemas-microsoft-com:office:office" xmlns:v="urn:schemas-microsoft-com:vml" xmlns:pvml="urn:schemas-microsoft-com:office:powerpoint" xmlns:com="http://schemas.openxmlformats.org/drawingml/2006/compatibility" xmlns:p14="http://schemas.microsoft.com/office/powerpoint/2010/main" xmlns:p15="http://schemas.microsoft.com/office/powerpoint/2012/main" xmlns:ahyp="http://schemas.microsoft.com/office/drawing/2018/hyperlinkcolor">
+  <p:cSld>
+    <p:spTree>
+      <p:nvGrpSpPr>
+        <p:cNvPr id="397" name="Shape 397"/>
+        <p:cNvGrpSpPr/>
+        <p:nvPr/>
+      </p:nvGrpSpPr>
+      <p:grpSpPr>
+        <a:xfrm>
+          <a:off x="0" y="0"/>
+          <a:ext cx="0" cy="0"/>
+          <a:chOff x="0" y="0"/>
+          <a:chExt cx="0" cy="0"/>
+        </a:xfrm>
+      </p:grpSpPr>
+      <p:sp>
+        <p:nvSpPr>
+          <p:cNvPr id="398" name="Google Shape;398;p33"/>
+          <p:cNvSpPr txBox="1"/>
+          <p:nvPr>
+            <p:ph type="title"/>
+          </p:nvPr>
+        </p:nvSpPr>
+        <p:spPr>
+          <a:xfrm>
+            <a:off x="333375" y="407194"/>
+            <a:ext cx="8410500" cy="401700"/>
+          </a:xfrm>
+          <a:prstGeom prst="rect">
+            <a:avLst/>
+          </a:prstGeom>
+        </p:spPr>
+        <p:txBody>
+          <a:bodyPr anchorCtr="0" anchor="t" bIns="34275" lIns="68575" spcFirstLastPara="1" rIns="68575" wrap="square" tIns="34275">
+            <a:spAutoFit/>
+          </a:bodyPr>
+          <a:lstStyle/>
+          <a:p>
+            <a:pPr indent="0" lvl="0" marL="0" rtl="0" algn="l">
+              <a:spcBef>
+                <a:spcPts val="0"/>
+              </a:spcBef>
+              <a:spcAft>
+                <a:spcPts val="0"/>
+              </a:spcAft>
+              <a:buNone/>
+            </a:pPr>
+            <a:r>
+              <a:rPr lang="pl"/>
+              <a:t>models.py </a:t>
+            </a:r>
+            <a:endParaRPr/>
+          </a:p>
+        </p:txBody>
+      </p:sp>
+      <p:sp>
+        <p:nvSpPr>
+          <p:cNvPr id="399" name="Google Shape;399;p33"/>
+          <p:cNvSpPr txBox="1"/>
+          <p:nvPr>
+            <p:ph idx="1" type="body"/>
+          </p:nvPr>
+        </p:nvSpPr>
+        <p:spPr>
+          <a:xfrm>
+            <a:off x="900050" y="1312202"/>
+            <a:ext cx="7029600" cy="2519100"/>
+          </a:xfrm>
+          <a:prstGeom prst="rect">
+            <a:avLst/>
+          </a:prstGeom>
+        </p:spPr>
+        <p:txBody>
+          <a:bodyPr anchorCtr="0" anchor="t" bIns="34275" lIns="68575" spcFirstLastPara="1" rIns="68575" wrap="square" tIns="34275">
+            <a:normAutofit/>
+          </a:bodyPr>
+          <a:lstStyle/>
+          <a:p>
+            <a:pPr indent="-304800" lvl="0" marL="457200" rtl="0" algn="l">
+              <a:spcBef>
+                <a:spcPts val="800"/>
+              </a:spcBef>
+              <a:spcAft>
+                <a:spcPts val="0"/>
+              </a:spcAft>
+              <a:buSzPts val="1200"/>
+              <a:buChar char="●"/>
+            </a:pPr>
+            <a:r>
+              <a:rPr lang="pl" sz="1200"/>
+              <a:t>Służy nam do tworzenia odpowiednich modeli w bazach danych</a:t>
+            </a:r>
+            <a:endParaRPr sz="1200"/>
+          </a:p>
+          <a:p>
+            <a:pPr indent="-304800" lvl="0" marL="457200" rtl="0" algn="l">
+              <a:spcBef>
+                <a:spcPts val="0"/>
+              </a:spcBef>
+              <a:spcAft>
+                <a:spcPts val="0"/>
+              </a:spcAft>
+              <a:buSzPts val="1200"/>
+              <a:buChar char="●"/>
+            </a:pPr>
+            <a:r>
+              <a:rPr lang="pl" sz="1200"/>
+              <a:t>Każdy model musimy “zarejestrować” w pliku admin.py naszej aplikacji</a:t>
+            </a:r>
+            <a:endParaRPr sz="1200"/>
+          </a:p>
+          <a:p>
+            <a:pPr indent="0" lvl="0" marL="457200" rtl="0" algn="l">
+              <a:spcBef>
+                <a:spcPts val="800"/>
+              </a:spcBef>
+              <a:spcAft>
+                <a:spcPts val="0"/>
+              </a:spcAft>
+              <a:buNone/>
+            </a:pPr>
+            <a:r>
+              <a:t/>
+            </a:r>
+            <a:endParaRPr sz="1200"/>
+          </a:p>
+          <a:p>
+            <a:pPr indent="0" lvl="0" marL="457200" rtl="0" algn="l">
+              <a:spcBef>
+                <a:spcPts val="800"/>
+              </a:spcBef>
+              <a:spcAft>
+                <a:spcPts val="0"/>
+              </a:spcAft>
+              <a:buNone/>
+            </a:pPr>
+            <a:r>
+              <a:t/>
+            </a:r>
+            <a:endParaRPr sz="1200"/>
+          </a:p>
+          <a:p>
+            <a:pPr indent="-304800" lvl="0" marL="457200" rtl="0" algn="l">
+              <a:spcBef>
+                <a:spcPts val="800"/>
+              </a:spcBef>
+              <a:spcAft>
+                <a:spcPts val="0"/>
+              </a:spcAft>
+              <a:buSzPts val="1200"/>
+              <a:buChar char="●"/>
+            </a:pPr>
+            <a:r>
+              <a:rPr lang="pl" sz="1200"/>
+              <a:t>Po stworzeniu naszego modelu wykonujemy dwie komendy:</a:t>
+            </a:r>
+            <a:endParaRPr sz="1200"/>
+          </a:p>
+          <a:p>
+            <a:pPr indent="0" lvl="0" marL="457200" rtl="0" algn="l">
+              <a:spcBef>
+                <a:spcPts val="800"/>
+              </a:spcBef>
+              <a:spcAft>
+                <a:spcPts val="0"/>
+              </a:spcAft>
+              <a:buNone/>
+            </a:pPr>
+            <a:r>
+              <a:rPr lang="pl" sz="1200"/>
+              <a:t>python manage.py makemigrations</a:t>
+            </a:r>
+            <a:endParaRPr sz="1200"/>
+          </a:p>
+          <a:p>
+            <a:pPr indent="0" lvl="0" marL="457200" rtl="0" algn="l">
+              <a:spcBef>
+                <a:spcPts val="800"/>
+              </a:spcBef>
+              <a:spcAft>
+                <a:spcPts val="0"/>
+              </a:spcAft>
+              <a:buNone/>
+            </a:pPr>
+            <a:r>
+              <a:rPr lang="pl" sz="1200"/>
+              <a:t>python manage.py migrate </a:t>
+            </a:r>
+            <a:endParaRPr sz="1200"/>
+          </a:p>
+          <a:p>
+            <a:pPr indent="0" lvl="0" marL="914400" rtl="0" algn="l">
+              <a:spcBef>
+                <a:spcPts val="800"/>
+              </a:spcBef>
+              <a:spcAft>
+                <a:spcPts val="0"/>
+              </a:spcAft>
+              <a:buNone/>
+            </a:pPr>
+            <a:r>
+              <a:t/>
+            </a:r>
+            <a:endParaRPr sz="1200"/>
+          </a:p>
+          <a:p>
+            <a:pPr indent="0" lvl="0" marL="457200" rtl="0" algn="l">
+              <a:spcBef>
+                <a:spcPts val="800"/>
+              </a:spcBef>
+              <a:spcAft>
+                <a:spcPts val="0"/>
+              </a:spcAft>
+              <a:buNone/>
+            </a:pPr>
+            <a:r>
+              <a:t/>
+            </a:r>
+            <a:endParaRPr sz="1200"/>
+          </a:p>
+        </p:txBody>
+      </p:sp>
+      <p:pic>
+        <p:nvPicPr>
+          <p:cNvPr id="400" name="Google Shape;400;p33"/>
+          <p:cNvPicPr preferRelativeResize="0"/>
+          <p:nvPr/>
+        </p:nvPicPr>
+        <p:blipFill>
+          <a:blip r:embed="rId3">
+            <a:alphaModFix/>
+          </a:blip>
+          <a:stretch>
+            <a:fillRect/>
+          </a:stretch>
+        </p:blipFill>
+        <p:spPr>
+          <a:xfrm>
+            <a:off x="1135675" y="3135125"/>
+            <a:ext cx="4546875" cy="1791550"/>
+          </a:xfrm>
+          <a:prstGeom prst="rect">
+            <a:avLst/>
+          </a:prstGeom>
+          <a:noFill/>
+          <a:ln>
+            <a:noFill/>
+          </a:ln>
+        </p:spPr>
+      </p:pic>
+      <p:pic>
+        <p:nvPicPr>
+          <p:cNvPr id="401" name="Google Shape;401;p33"/>
+          <p:cNvPicPr preferRelativeResize="0"/>
+          <p:nvPr/>
+        </p:nvPicPr>
+        <p:blipFill>
+          <a:blip r:embed="rId4">
+            <a:alphaModFix/>
+          </a:blip>
+          <a:stretch>
+            <a:fillRect/>
+          </a:stretch>
+        </p:blipFill>
+        <p:spPr>
+          <a:xfrm>
+            <a:off x="1343900" y="1681502"/>
+            <a:ext cx="2047875" cy="581025"/>
+          </a:xfrm>
+          <a:prstGeom prst="rect">
+            <a:avLst/>
+          </a:prstGeom>
+          <a:noFill/>
+          <a:ln>
+            <a:noFill/>
+          </a:ln>
+        </p:spPr>
+      </p:pic>
+    </p:spTree>
+  </p:cSld>
+  <p:clrMapOvr>
+    <a:masterClrMapping/>
+  </p:clrMapOvr>
+</p:sld>
+</file>
+
+<file path=ppt/slides/slide14.xml><?xml version="1.0" encoding="utf-8"?>
+<p:sld xmlns:a="http://schemas.openxmlformats.org/drawingml/2006/main" xmlns:r="http://schemas.openxmlformats.org/officeDocument/2006/relationships" xmlns:mc="http://schemas.openxmlformats.org/markup-compatibility/2006" xmlns:mv="urn:schemas-microsoft-com:mac:vml" xmlns:p="http://schemas.openxmlformats.org/presentationml/2006/main" xmlns:c="http://schemas.openxmlformats.org/drawingml/2006/chart" xmlns:dgm="http://schemas.openxmlformats.org/drawingml/2006/diagram" xmlns:o="urn:schemas-microsoft-com:office:office" xmlns:v="urn:schemas-microsoft-com:vml" xmlns:pvml="urn:schemas-microsoft-com:office:powerpoint" xmlns:com="http://schemas.openxmlformats.org/drawingml/2006/compatibility" xmlns:p14="http://schemas.microsoft.com/office/powerpoint/2010/main" xmlns:p15="http://schemas.microsoft.com/office/powerpoint/2012/main" xmlns:ahyp="http://schemas.microsoft.com/office/drawing/2018/hyperlinkcolor">
+  <p:cSld>
+    <p:spTree>
+      <p:nvGrpSpPr>
+        <p:cNvPr id="405" name="Shape 405"/>
+        <p:cNvGrpSpPr/>
+        <p:nvPr/>
+      </p:nvGrpSpPr>
+      <p:grpSpPr>
+        <a:xfrm>
+          <a:off x="0" y="0"/>
+          <a:ext cx="0" cy="0"/>
+          <a:chOff x="0" y="0"/>
+          <a:chExt cx="0" cy="0"/>
+        </a:xfrm>
+      </p:grpSpPr>
+      <p:sp>
+        <p:nvSpPr>
+          <p:cNvPr id="406" name="Google Shape;406;p34"/>
+          <p:cNvSpPr txBox="1"/>
+          <p:nvPr>
+            <p:ph type="title"/>
+          </p:nvPr>
+        </p:nvSpPr>
+        <p:spPr>
+          <a:xfrm>
+            <a:off x="333375" y="407194"/>
+            <a:ext cx="8410500" cy="401700"/>
+          </a:xfrm>
+          <a:prstGeom prst="rect">
+            <a:avLst/>
+          </a:prstGeom>
+        </p:spPr>
+        <p:txBody>
+          <a:bodyPr anchorCtr="0" anchor="t" bIns="34275" lIns="68575" spcFirstLastPara="1" rIns="68575" wrap="square" tIns="34275">
+            <a:spAutoFit/>
+          </a:bodyPr>
+          <a:lstStyle/>
+          <a:p>
+            <a:pPr indent="0" lvl="0" marL="0" rtl="0" algn="l">
+              <a:spcBef>
+                <a:spcPts val="0"/>
+              </a:spcBef>
+              <a:spcAft>
+                <a:spcPts val="0"/>
+              </a:spcAft>
+              <a:buNone/>
+            </a:pPr>
+            <a:r>
+              <a:rPr lang="pl"/>
+              <a:t>forms.py</a:t>
+            </a:r>
+            <a:endParaRPr/>
+          </a:p>
+        </p:txBody>
+      </p:sp>
+      <p:sp>
+        <p:nvSpPr>
+          <p:cNvPr id="407" name="Google Shape;407;p34"/>
+          <p:cNvSpPr txBox="1"/>
+          <p:nvPr>
+            <p:ph idx="2" type="body"/>
+          </p:nvPr>
+        </p:nvSpPr>
+        <p:spPr>
+          <a:xfrm>
+            <a:off x="446403" y="1094700"/>
+            <a:ext cx="7953900" cy="3434400"/>
+          </a:xfrm>
+          <a:prstGeom prst="rect">
+            <a:avLst/>
+          </a:prstGeom>
+        </p:spPr>
+        <p:txBody>
+          <a:bodyPr anchorCtr="0" anchor="t" bIns="34275" lIns="68575" spcFirstLastPara="1" rIns="68575" wrap="square" tIns="34275">
+            <a:normAutofit/>
+          </a:bodyPr>
+          <a:lstStyle/>
+          <a:p>
+            <a:pPr indent="-304800" lvl="0" marL="457200" rtl="0" algn="l">
+              <a:spcBef>
+                <a:spcPts val="800"/>
+              </a:spcBef>
+              <a:spcAft>
+                <a:spcPts val="0"/>
+              </a:spcAft>
+              <a:buSzPts val="1200"/>
+              <a:buChar char="•"/>
+            </a:pPr>
+            <a:r>
+              <a:rPr lang="pl" sz="1200"/>
+              <a:t>Służy nam do tworzenia formularzy na stronie, dzięki temu możemy stworzyć obiekt lub edytować jego pola używając przeglądarki </a:t>
+            </a:r>
+            <a:endParaRPr sz="1200"/>
+          </a:p>
+          <a:p>
+            <a:pPr indent="-304800" lvl="0" marL="457200" rtl="0" algn="l">
+              <a:spcBef>
+                <a:spcPts val="0"/>
+              </a:spcBef>
+              <a:spcAft>
+                <a:spcPts val="0"/>
+              </a:spcAft>
+              <a:buSzPts val="1200"/>
+              <a:buChar char="•"/>
+            </a:pPr>
+            <a:r>
+              <a:rPr lang="pl" sz="1200"/>
+              <a:t>class Meta służy nam do tego aby podać z jakiego modelu będzie korzystać ( zmienna model ) oraz zmienna fields czyli, których pól z modelu chcemy używać ( np. title, name itd. ) </a:t>
+            </a:r>
+            <a:endParaRPr sz="1200"/>
+          </a:p>
+        </p:txBody>
+      </p:sp>
+      <p:pic>
+        <p:nvPicPr>
+          <p:cNvPr id="408" name="Google Shape;408;p34"/>
+          <p:cNvPicPr preferRelativeResize="0"/>
+          <p:nvPr/>
+        </p:nvPicPr>
+        <p:blipFill>
+          <a:blip r:embed="rId3">
+            <a:alphaModFix/>
+          </a:blip>
+          <a:stretch>
+            <a:fillRect/>
+          </a:stretch>
+        </p:blipFill>
+        <p:spPr>
+          <a:xfrm>
+            <a:off x="784813" y="2071675"/>
+            <a:ext cx="2847975" cy="1000125"/>
+          </a:xfrm>
+          <a:prstGeom prst="rect">
+            <a:avLst/>
+          </a:prstGeom>
+          <a:noFill/>
+          <a:ln>
+            <a:noFill/>
+          </a:ln>
+        </p:spPr>
+      </p:pic>
+      <p:pic>
+        <p:nvPicPr>
+          <p:cNvPr id="409" name="Google Shape;409;p34"/>
+          <p:cNvPicPr preferRelativeResize="0"/>
+          <p:nvPr/>
+        </p:nvPicPr>
+        <p:blipFill>
+          <a:blip r:embed="rId4">
+            <a:alphaModFix/>
+          </a:blip>
+          <a:stretch>
+            <a:fillRect/>
+          </a:stretch>
+        </p:blipFill>
+        <p:spPr>
+          <a:xfrm>
+            <a:off x="4261700" y="2026751"/>
+            <a:ext cx="4031564" cy="2420775"/>
+          </a:xfrm>
+          <a:prstGeom prst="rect">
+            <a:avLst/>
+          </a:prstGeom>
+          <a:noFill/>
+          <a:ln>
+            <a:noFill/>
+          </a:ln>
+        </p:spPr>
+      </p:pic>
+      <p:pic>
+        <p:nvPicPr>
+          <p:cNvPr id="410" name="Google Shape;410;p34"/>
+          <p:cNvPicPr preferRelativeResize="0"/>
+          <p:nvPr/>
+        </p:nvPicPr>
+        <p:blipFill>
+          <a:blip r:embed="rId5">
+            <a:alphaModFix/>
+          </a:blip>
+          <a:stretch>
+            <a:fillRect/>
+          </a:stretch>
+        </p:blipFill>
+        <p:spPr>
+          <a:xfrm>
+            <a:off x="400038" y="3297300"/>
+            <a:ext cx="3419475" cy="990600"/>
+          </a:xfrm>
+          <a:prstGeom prst="rect">
+            <a:avLst/>
+          </a:prstGeom>
+          <a:noFill/>
+          <a:ln>
+            <a:noFill/>
+          </a:ln>
+        </p:spPr>
+      </p:pic>
+    </p:spTree>
+  </p:cSld>
+  <p:clrMapOvr>
+    <a:masterClrMapping/>
+  </p:clrMapOvr>
+</p:sld>
+</file>
+
+<file path=ppt/slides/slide15.xml><?xml version="1.0" encoding="utf-8"?>
+<p:sld xmlns:a="http://schemas.openxmlformats.org/drawingml/2006/main" xmlns:r="http://schemas.openxmlformats.org/officeDocument/2006/relationships" xmlns:mc="http://schemas.openxmlformats.org/markup-compatibility/2006" xmlns:mv="urn:schemas-microsoft-com:mac:vml" xmlns:p="http://schemas.openxmlformats.org/presentationml/2006/main" xmlns:c="http://schemas.openxmlformats.org/drawingml/2006/chart" xmlns:dgm="http://schemas.openxmlformats.org/drawingml/2006/diagram" xmlns:o="urn:schemas-microsoft-com:office:office" xmlns:v="urn:schemas-microsoft-com:vml" xmlns:pvml="urn:schemas-microsoft-com:office:powerpoint" xmlns:com="http://schemas.openxmlformats.org/drawingml/2006/compatibility" xmlns:p14="http://schemas.microsoft.com/office/powerpoint/2010/main" xmlns:p15="http://schemas.microsoft.com/office/powerpoint/2012/main" xmlns:ahyp="http://schemas.microsoft.com/office/drawing/2018/hyperlinkcolor">
+  <p:cSld>
+    <p:spTree>
+      <p:nvGrpSpPr>
+        <p:cNvPr id="414" name="Shape 414"/>
+        <p:cNvGrpSpPr/>
+        <p:nvPr/>
+      </p:nvGrpSpPr>
+      <p:grpSpPr>
+        <a:xfrm>
+          <a:off x="0" y="0"/>
+          <a:ext cx="0" cy="0"/>
+          <a:chOff x="0" y="0"/>
+          <a:chExt cx="0" cy="0"/>
+        </a:xfrm>
+      </p:grpSpPr>
+      <p:sp>
+        <p:nvSpPr>
+          <p:cNvPr id="415" name="Google Shape;415;p35"/>
+          <p:cNvSpPr txBox="1"/>
+          <p:nvPr>
+            <p:ph type="title"/>
+          </p:nvPr>
+        </p:nvSpPr>
+        <p:spPr>
+          <a:xfrm>
+            <a:off x="333375" y="407194"/>
+            <a:ext cx="8410500" cy="401700"/>
+          </a:xfrm>
+          <a:prstGeom prst="rect">
+            <a:avLst/>
+          </a:prstGeom>
+        </p:spPr>
+        <p:txBody>
+          <a:bodyPr anchorCtr="0" anchor="t" bIns="34275" lIns="68575" spcFirstLastPara="1" rIns="68575" wrap="square" tIns="34275">
+            <a:spAutoFit/>
+          </a:bodyPr>
+          <a:lstStyle/>
+          <a:p>
+            <a:pPr indent="0" lvl="0" marL="0" rtl="0" algn="l">
+              <a:spcBef>
+                <a:spcPts val="0"/>
+              </a:spcBef>
+              <a:spcAft>
+                <a:spcPts val="0"/>
+              </a:spcAft>
+              <a:buNone/>
+            </a:pPr>
+            <a:r>
+              <a:rPr lang="pl"/>
               <a:t>filter.py</a:t>
             </a:r>
             <a:endParaRPr/>
@@ -30117,7 +31257,7 @@
       </p:sp>
       <p:sp>
         <p:nvSpPr>
-          <p:cNvPr id="391" name="Google Shape;391;p30"/>
+          <p:cNvPr id="416" name="Google Shape;416;p35"/>
           <p:cNvSpPr txBox="1"/>
           <p:nvPr>
             <p:ph idx="1" type="body"/>
@@ -30192,7 +31332,7 @@
       </p:sp>
       <p:pic>
         <p:nvPicPr>
-          <p:cNvPr id="392" name="Google Shape;392;p30"/>
+          <p:cNvPr id="417" name="Google Shape;417;p35"/>
           <p:cNvPicPr preferRelativeResize="0"/>
           <p:nvPr/>
         </p:nvPicPr>
@@ -30220,7 +31360,7 @@
       </p:pic>
       <p:pic>
         <p:nvPicPr>
-          <p:cNvPr id="393" name="Google Shape;393;p30"/>
+          <p:cNvPr id="418" name="Google Shape;418;p35"/>
           <p:cNvPicPr preferRelativeResize="0"/>
           <p:nvPr/>
         </p:nvPicPr>
@@ -30254,12 +31394,12 @@
 </p:sld>
 </file>
 
-<file path=ppt/slides/slide11.xml><?xml version="1.0" encoding="utf-8"?>
+<file path=ppt/slides/slide16.xml><?xml version="1.0" encoding="utf-8"?>
 <p:sld xmlns:a="http://schemas.openxmlformats.org/drawingml/2006/main" xmlns:r="http://schemas.openxmlformats.org/officeDocument/2006/relationships" xmlns:mc="http://schemas.openxmlformats.org/markup-compatibility/2006" xmlns:mv="urn:schemas-microsoft-com:mac:vml" xmlns:p="http://schemas.openxmlformats.org/presentationml/2006/main" xmlns:c="http://schemas.openxmlformats.org/drawingml/2006/chart" xmlns:dgm="http://schemas.openxmlformats.org/drawingml/2006/diagram" xmlns:o="urn:schemas-microsoft-com:office:office" xmlns:v="urn:schemas-microsoft-com:vml" xmlns:pvml="urn:schemas-microsoft-com:office:powerpoint" xmlns:com="http://schemas.openxmlformats.org/drawingml/2006/compatibility" xmlns:p14="http://schemas.microsoft.com/office/powerpoint/2010/main" xmlns:p15="http://schemas.microsoft.com/office/powerpoint/2012/main" xmlns:ahyp="http://schemas.microsoft.com/office/drawing/2018/hyperlinkcolor">
   <p:cSld>
     <p:spTree>
       <p:nvGrpSpPr>
-        <p:cNvPr id="397" name="Shape 397"/>
+        <p:cNvPr id="422" name="Shape 422"/>
         <p:cNvGrpSpPr/>
         <p:nvPr/>
       </p:nvGrpSpPr>
@@ -30273,7 +31413,7 @@
       </p:grpSpPr>
       <p:sp>
         <p:nvSpPr>
-          <p:cNvPr id="398" name="Google Shape;398;p31"/>
+          <p:cNvPr id="423" name="Google Shape;423;p36"/>
           <p:cNvSpPr txBox="1"/>
           <p:nvPr>
             <p:ph type="title"/>
@@ -30313,7 +31453,7 @@
       </p:sp>
       <p:sp>
         <p:nvSpPr>
-          <p:cNvPr id="399" name="Google Shape;399;p31"/>
+          <p:cNvPr id="424" name="Google Shape;424;p36"/>
           <p:cNvSpPr txBox="1"/>
           <p:nvPr>
             <p:ph idx="1" type="body"/>
@@ -30422,7 +31562,7 @@
       </p:sp>
       <p:pic>
         <p:nvPicPr>
-          <p:cNvPr id="400" name="Google Shape;400;p31"/>
+          <p:cNvPr id="425" name="Google Shape;425;p36"/>
           <p:cNvPicPr preferRelativeResize="0"/>
           <p:nvPr/>
         </p:nvPicPr>
@@ -30450,7 +31590,7 @@
       </p:pic>
       <p:pic>
         <p:nvPicPr>
-          <p:cNvPr id="401" name="Google Shape;401;p31"/>
+          <p:cNvPr id="426" name="Google Shape;426;p36"/>
           <p:cNvPicPr preferRelativeResize="0"/>
           <p:nvPr/>
         </p:nvPicPr>
@@ -30476,381 +31616,6 @@
           </a:ln>
         </p:spPr>
       </p:pic>
-    </p:spTree>
-  </p:cSld>
-  <p:clrMapOvr>
-    <a:masterClrMapping/>
-  </p:clrMapOvr>
-</p:sld>
-</file>
-
-<file path=ppt/slides/slide12.xml><?xml version="1.0" encoding="utf-8"?>
-<p:sld xmlns:a="http://schemas.openxmlformats.org/drawingml/2006/main" xmlns:r="http://schemas.openxmlformats.org/officeDocument/2006/relationships" xmlns:mc="http://schemas.openxmlformats.org/markup-compatibility/2006" xmlns:mv="urn:schemas-microsoft-com:mac:vml" xmlns:p="http://schemas.openxmlformats.org/presentationml/2006/main" xmlns:c="http://schemas.openxmlformats.org/drawingml/2006/chart" xmlns:dgm="http://schemas.openxmlformats.org/drawingml/2006/diagram" xmlns:o="urn:schemas-microsoft-com:office:office" xmlns:v="urn:schemas-microsoft-com:vml" xmlns:pvml="urn:schemas-microsoft-com:office:powerpoint" xmlns:com="http://schemas.openxmlformats.org/drawingml/2006/compatibility" xmlns:p14="http://schemas.microsoft.com/office/powerpoint/2010/main" xmlns:p15="http://schemas.microsoft.com/office/powerpoint/2012/main" xmlns:ahyp="http://schemas.microsoft.com/office/drawing/2018/hyperlinkcolor">
-  <p:cSld>
-    <p:spTree>
-      <p:nvGrpSpPr>
-        <p:cNvPr id="405" name="Shape 405"/>
-        <p:cNvGrpSpPr/>
-        <p:nvPr/>
-      </p:nvGrpSpPr>
-      <p:grpSpPr>
-        <a:xfrm>
-          <a:off x="0" y="0"/>
-          <a:ext cx="0" cy="0"/>
-          <a:chOff x="0" y="0"/>
-          <a:chExt cx="0" cy="0"/>
-        </a:xfrm>
-      </p:grpSpPr>
-      <p:sp>
-        <p:nvSpPr>
-          <p:cNvPr id="406" name="Google Shape;406;p32"/>
-          <p:cNvSpPr txBox="1"/>
-          <p:nvPr/>
-        </p:nvSpPr>
-        <p:spPr>
-          <a:xfrm>
-            <a:off x="472950" y="1171925"/>
-            <a:ext cx="2829000" cy="754200"/>
-          </a:xfrm>
-          <a:prstGeom prst="rect">
-            <a:avLst/>
-          </a:prstGeom>
-          <a:noFill/>
-          <a:ln>
-            <a:noFill/>
-          </a:ln>
-        </p:spPr>
-        <p:txBody>
-          <a:bodyPr anchorCtr="0" anchor="t" bIns="91425" lIns="91425" spcFirstLastPara="1" rIns="91425" wrap="square" tIns="91425">
-            <a:spAutoFit/>
-          </a:bodyPr>
-          <a:lstStyle/>
-          <a:p>
-            <a:pPr indent="0" lvl="0" marL="0" rtl="0" algn="l">
-              <a:spcBef>
-                <a:spcPts val="0"/>
-              </a:spcBef>
-              <a:spcAft>
-                <a:spcPts val="0"/>
-              </a:spcAft>
-              <a:buNone/>
-            </a:pPr>
-            <a:r>
-              <a:rPr lang="pl" sz="3700">
-                <a:solidFill>
-                  <a:schemeClr val="lt1"/>
-                </a:solidFill>
-              </a:rPr>
-              <a:t>PROFILE</a:t>
-            </a:r>
-            <a:endParaRPr sz="3700">
-              <a:solidFill>
-                <a:schemeClr val="lt1"/>
-              </a:solidFill>
-            </a:endParaRPr>
-          </a:p>
-        </p:txBody>
-      </p:sp>
-    </p:spTree>
-  </p:cSld>
-  <p:clrMapOvr>
-    <a:masterClrMapping/>
-  </p:clrMapOvr>
-</p:sld>
-</file>
-
-<file path=ppt/slides/slide13.xml><?xml version="1.0" encoding="utf-8"?>
-<p:sld xmlns:a="http://schemas.openxmlformats.org/drawingml/2006/main" xmlns:r="http://schemas.openxmlformats.org/officeDocument/2006/relationships" xmlns:mc="http://schemas.openxmlformats.org/markup-compatibility/2006" xmlns:mv="urn:schemas-microsoft-com:mac:vml" xmlns:p="http://schemas.openxmlformats.org/presentationml/2006/main" xmlns:c="http://schemas.openxmlformats.org/drawingml/2006/chart" xmlns:dgm="http://schemas.openxmlformats.org/drawingml/2006/diagram" xmlns:o="urn:schemas-microsoft-com:office:office" xmlns:v="urn:schemas-microsoft-com:vml" xmlns:pvml="urn:schemas-microsoft-com:office:powerpoint" xmlns:com="http://schemas.openxmlformats.org/drawingml/2006/compatibility" xmlns:p14="http://schemas.microsoft.com/office/powerpoint/2010/main" xmlns:p15="http://schemas.microsoft.com/office/powerpoint/2012/main" xmlns:ahyp="http://schemas.microsoft.com/office/drawing/2018/hyperlinkcolor">
-  <p:cSld>
-    <p:spTree>
-      <p:nvGrpSpPr>
-        <p:cNvPr id="410" name="Shape 410"/>
-        <p:cNvGrpSpPr/>
-        <p:nvPr/>
-      </p:nvGrpSpPr>
-      <p:grpSpPr>
-        <a:xfrm>
-          <a:off x="0" y="0"/>
-          <a:ext cx="0" cy="0"/>
-          <a:chOff x="0" y="0"/>
-          <a:chExt cx="0" cy="0"/>
-        </a:xfrm>
-      </p:grpSpPr>
-      <p:sp>
-        <p:nvSpPr>
-          <p:cNvPr id="411" name="Google Shape;411;p33"/>
-          <p:cNvSpPr txBox="1"/>
-          <p:nvPr/>
-        </p:nvSpPr>
-        <p:spPr>
-          <a:xfrm>
-            <a:off x="543050" y="1197300"/>
-            <a:ext cx="2829000" cy="754200"/>
-          </a:xfrm>
-          <a:prstGeom prst="rect">
-            <a:avLst/>
-          </a:prstGeom>
-          <a:noFill/>
-          <a:ln>
-            <a:noFill/>
-          </a:ln>
-        </p:spPr>
-        <p:txBody>
-          <a:bodyPr anchorCtr="0" anchor="t" bIns="91425" lIns="91425" spcFirstLastPara="1" rIns="91425" wrap="square" tIns="91425">
-            <a:spAutoFit/>
-          </a:bodyPr>
-          <a:lstStyle/>
-          <a:p>
-            <a:pPr indent="0" lvl="0" marL="0" rtl="0" algn="l">
-              <a:spcBef>
-                <a:spcPts val="0"/>
-              </a:spcBef>
-              <a:spcAft>
-                <a:spcPts val="0"/>
-              </a:spcAft>
-              <a:buNone/>
-            </a:pPr>
-            <a:r>
-              <a:rPr lang="pl" sz="3700">
-                <a:solidFill>
-                  <a:schemeClr val="lt1"/>
-                </a:solidFill>
-              </a:rPr>
-              <a:t>WORKOUT</a:t>
-            </a:r>
-            <a:endParaRPr sz="3700">
-              <a:solidFill>
-                <a:schemeClr val="lt1"/>
-              </a:solidFill>
-            </a:endParaRPr>
-          </a:p>
-        </p:txBody>
-      </p:sp>
-    </p:spTree>
-  </p:cSld>
-  <p:clrMapOvr>
-    <a:masterClrMapping/>
-  </p:clrMapOvr>
-</p:sld>
-</file>
-
-<file path=ppt/slides/slide14.xml><?xml version="1.0" encoding="utf-8"?>
-<p:sld xmlns:a="http://schemas.openxmlformats.org/drawingml/2006/main" xmlns:r="http://schemas.openxmlformats.org/officeDocument/2006/relationships" xmlns:mc="http://schemas.openxmlformats.org/markup-compatibility/2006" xmlns:mv="urn:schemas-microsoft-com:mac:vml" xmlns:p="http://schemas.openxmlformats.org/presentationml/2006/main" xmlns:c="http://schemas.openxmlformats.org/drawingml/2006/chart" xmlns:dgm="http://schemas.openxmlformats.org/drawingml/2006/diagram" xmlns:o="urn:schemas-microsoft-com:office:office" xmlns:v="urn:schemas-microsoft-com:vml" xmlns:pvml="urn:schemas-microsoft-com:office:powerpoint" xmlns:com="http://schemas.openxmlformats.org/drawingml/2006/compatibility" xmlns:p14="http://schemas.microsoft.com/office/powerpoint/2010/main" xmlns:p15="http://schemas.microsoft.com/office/powerpoint/2012/main" xmlns:ahyp="http://schemas.microsoft.com/office/drawing/2018/hyperlinkcolor">
-  <p:cSld>
-    <p:spTree>
-      <p:nvGrpSpPr>
-        <p:cNvPr id="415" name="Shape 415"/>
-        <p:cNvGrpSpPr/>
-        <p:nvPr/>
-      </p:nvGrpSpPr>
-      <p:grpSpPr>
-        <a:xfrm>
-          <a:off x="0" y="0"/>
-          <a:ext cx="0" cy="0"/>
-          <a:chOff x="0" y="0"/>
-          <a:chExt cx="0" cy="0"/>
-        </a:xfrm>
-      </p:grpSpPr>
-      <p:sp>
-        <p:nvSpPr>
-          <p:cNvPr id="416" name="Google Shape;416;p34"/>
-          <p:cNvSpPr txBox="1"/>
-          <p:nvPr/>
-        </p:nvSpPr>
-        <p:spPr>
-          <a:xfrm>
-            <a:off x="514475" y="1094250"/>
-            <a:ext cx="2829000" cy="754200"/>
-          </a:xfrm>
-          <a:prstGeom prst="rect">
-            <a:avLst/>
-          </a:prstGeom>
-          <a:noFill/>
-          <a:ln>
-            <a:noFill/>
-          </a:ln>
-        </p:spPr>
-        <p:txBody>
-          <a:bodyPr anchorCtr="0" anchor="t" bIns="91425" lIns="91425" spcFirstLastPara="1" rIns="91425" wrap="square" tIns="91425">
-            <a:spAutoFit/>
-          </a:bodyPr>
-          <a:lstStyle/>
-          <a:p>
-            <a:pPr indent="0" lvl="0" marL="0" rtl="0" algn="l">
-              <a:spcBef>
-                <a:spcPts val="0"/>
-              </a:spcBef>
-              <a:spcAft>
-                <a:spcPts val="0"/>
-              </a:spcAft>
-              <a:buNone/>
-            </a:pPr>
-            <a:r>
-              <a:rPr lang="pl" sz="3700">
-                <a:solidFill>
-                  <a:schemeClr val="lt1"/>
-                </a:solidFill>
-              </a:rPr>
-              <a:t>DIET</a:t>
-            </a:r>
-            <a:endParaRPr sz="3700">
-              <a:solidFill>
-                <a:schemeClr val="lt1"/>
-              </a:solidFill>
-            </a:endParaRPr>
-          </a:p>
-        </p:txBody>
-      </p:sp>
-    </p:spTree>
-  </p:cSld>
-  <p:clrMapOvr>
-    <a:masterClrMapping/>
-  </p:clrMapOvr>
-</p:sld>
-</file>
-
-<file path=ppt/slides/slide15.xml><?xml version="1.0" encoding="utf-8"?>
-<p:sld xmlns:a="http://schemas.openxmlformats.org/drawingml/2006/main" xmlns:r="http://schemas.openxmlformats.org/officeDocument/2006/relationships" xmlns:mc="http://schemas.openxmlformats.org/markup-compatibility/2006" xmlns:mv="urn:schemas-microsoft-com:mac:vml" xmlns:p="http://schemas.openxmlformats.org/presentationml/2006/main" xmlns:c="http://schemas.openxmlformats.org/drawingml/2006/chart" xmlns:dgm="http://schemas.openxmlformats.org/drawingml/2006/diagram" xmlns:o="urn:schemas-microsoft-com:office:office" xmlns:v="urn:schemas-microsoft-com:vml" xmlns:pvml="urn:schemas-microsoft-com:office:powerpoint" xmlns:com="http://schemas.openxmlformats.org/drawingml/2006/compatibility" xmlns:p14="http://schemas.microsoft.com/office/powerpoint/2010/main" xmlns:p15="http://schemas.microsoft.com/office/powerpoint/2012/main" xmlns:ahyp="http://schemas.microsoft.com/office/drawing/2018/hyperlinkcolor">
-  <p:cSld>
-    <p:spTree>
-      <p:nvGrpSpPr>
-        <p:cNvPr id="420" name="Shape 420"/>
-        <p:cNvGrpSpPr/>
-        <p:nvPr/>
-      </p:nvGrpSpPr>
-      <p:grpSpPr>
-        <a:xfrm>
-          <a:off x="0" y="0"/>
-          <a:ext cx="0" cy="0"/>
-          <a:chOff x="0" y="0"/>
-          <a:chExt cx="0" cy="0"/>
-        </a:xfrm>
-      </p:grpSpPr>
-      <p:sp>
-        <p:nvSpPr>
-          <p:cNvPr id="421" name="Google Shape;421;p35"/>
-          <p:cNvSpPr txBox="1"/>
-          <p:nvPr/>
-        </p:nvSpPr>
-        <p:spPr>
-          <a:xfrm>
-            <a:off x="543050" y="1197300"/>
-            <a:ext cx="2829000" cy="754200"/>
-          </a:xfrm>
-          <a:prstGeom prst="rect">
-            <a:avLst/>
-          </a:prstGeom>
-          <a:noFill/>
-          <a:ln>
-            <a:noFill/>
-          </a:ln>
-        </p:spPr>
-        <p:txBody>
-          <a:bodyPr anchorCtr="0" anchor="t" bIns="91425" lIns="91425" spcFirstLastPara="1" rIns="91425" wrap="square" tIns="91425">
-            <a:spAutoFit/>
-          </a:bodyPr>
-          <a:lstStyle/>
-          <a:p>
-            <a:pPr indent="0" lvl="0" marL="0" rtl="0" algn="l">
-              <a:spcBef>
-                <a:spcPts val="0"/>
-              </a:spcBef>
-              <a:spcAft>
-                <a:spcPts val="0"/>
-              </a:spcAft>
-              <a:buNone/>
-            </a:pPr>
-            <a:r>
-              <a:rPr lang="pl" sz="3700">
-                <a:solidFill>
-                  <a:schemeClr val="lt1"/>
-                </a:solidFill>
-              </a:rPr>
-              <a:t>FRIENDS</a:t>
-            </a:r>
-            <a:endParaRPr sz="3700">
-              <a:solidFill>
-                <a:schemeClr val="lt1"/>
-              </a:solidFill>
-            </a:endParaRPr>
-          </a:p>
-        </p:txBody>
-      </p:sp>
-    </p:spTree>
-  </p:cSld>
-  <p:clrMapOvr>
-    <a:masterClrMapping/>
-  </p:clrMapOvr>
-</p:sld>
-</file>
-
-<file path=ppt/slides/slide16.xml><?xml version="1.0" encoding="utf-8"?>
-<p:sld xmlns:a="http://schemas.openxmlformats.org/drawingml/2006/main" xmlns:r="http://schemas.openxmlformats.org/officeDocument/2006/relationships" xmlns:mc="http://schemas.openxmlformats.org/markup-compatibility/2006" xmlns:mv="urn:schemas-microsoft-com:mac:vml" xmlns:p="http://schemas.openxmlformats.org/presentationml/2006/main" xmlns:c="http://schemas.openxmlformats.org/drawingml/2006/chart" xmlns:dgm="http://schemas.openxmlformats.org/drawingml/2006/diagram" xmlns:o="urn:schemas-microsoft-com:office:office" xmlns:v="urn:schemas-microsoft-com:vml" xmlns:pvml="urn:schemas-microsoft-com:office:powerpoint" xmlns:com="http://schemas.openxmlformats.org/drawingml/2006/compatibility" xmlns:p14="http://schemas.microsoft.com/office/powerpoint/2010/main" xmlns:p15="http://schemas.microsoft.com/office/powerpoint/2012/main" xmlns:ahyp="http://schemas.microsoft.com/office/drawing/2018/hyperlinkcolor">
-  <p:cSld>
-    <p:spTree>
-      <p:nvGrpSpPr>
-        <p:cNvPr id="425" name="Shape 425"/>
-        <p:cNvGrpSpPr/>
-        <p:nvPr/>
-      </p:nvGrpSpPr>
-      <p:grpSpPr>
-        <a:xfrm>
-          <a:off x="0" y="0"/>
-          <a:ext cx="0" cy="0"/>
-          <a:chOff x="0" y="0"/>
-          <a:chExt cx="0" cy="0"/>
-        </a:xfrm>
-      </p:grpSpPr>
-      <p:sp>
-        <p:nvSpPr>
-          <p:cNvPr id="426" name="Google Shape;426;p36"/>
-          <p:cNvSpPr txBox="1"/>
-          <p:nvPr/>
-        </p:nvSpPr>
-        <p:spPr>
-          <a:xfrm>
-            <a:off x="543050" y="1197300"/>
-            <a:ext cx="2924100" cy="754200"/>
-          </a:xfrm>
-          <a:prstGeom prst="rect">
-            <a:avLst/>
-          </a:prstGeom>
-          <a:noFill/>
-          <a:ln>
-            <a:noFill/>
-          </a:ln>
-        </p:spPr>
-        <p:txBody>
-          <a:bodyPr anchorCtr="0" anchor="t" bIns="91425" lIns="91425" spcFirstLastPara="1" rIns="91425" wrap="square" tIns="91425">
-            <a:spAutoFit/>
-          </a:bodyPr>
-          <a:lstStyle/>
-          <a:p>
-            <a:pPr indent="0" lvl="0" marL="0" rtl="0" algn="l">
-              <a:spcBef>
-                <a:spcPts val="0"/>
-              </a:spcBef>
-              <a:spcAft>
-                <a:spcPts val="0"/>
-              </a:spcAft>
-              <a:buNone/>
-            </a:pPr>
-            <a:r>
-              <a:rPr lang="pl" sz="3700">
-                <a:solidFill>
-                  <a:schemeClr val="lt1"/>
-                </a:solidFill>
-              </a:rPr>
-              <a:t>EXERCISES</a:t>
-            </a:r>
-            <a:endParaRPr sz="3700">
-              <a:solidFill>
-                <a:schemeClr val="lt1"/>
-              </a:solidFill>
-            </a:endParaRPr>
-          </a:p>
-        </p:txBody>
-      </p:sp>
     </p:spTree>
   </p:cSld>
   <p:clrMapOvr>
@@ -30910,7 +31675,7 @@
             </a:pPr>
             <a:r>
               <a:rPr lang="pl"/>
-              <a:t>Stwórz samodzielnie od zera projekt. Kieruj się wskazówkami z 4  i 5 slajdu.</a:t>
+              <a:t>Stwórz samodzielnie od zera projekt. Kieruj się wskazówkami z 9  i 10 slajdu.</a:t>
             </a:r>
             <a:endParaRPr/>
           </a:p>
@@ -31134,7 +31899,7 @@
             </a:pPr>
             <a:r>
               <a:rPr lang="pl"/>
-              <a:t>Stwórz model Exercise, który zawiera pola name, weight, reps, date (slajd 8 i projekt może być pomocny). Ograniczenia każdego pola ustaw według swoich preferencji.</a:t>
+              <a:t>Stwórz model Exercise, który zawiera pola name, weight, reps, date (slajd 13 i projekt może być pomocny). Ograniczenia każdego pola ustaw według swoich preferencji.</a:t>
             </a:r>
             <a:endParaRPr/>
           </a:p>
@@ -31415,7 +32180,7 @@
             </a:pPr>
             <a:r>
               <a:rPr lang="pl"/>
-              <a:t>wszystkie obiekty Exercise ( screen ze slajdu 9 ). Przekaż do funkcji return render listę obiektów i wyświetl na stronie Twoje zadania. ( Wzoruj się na linii 143 z pliku exercises.html, dane wstaw w znacznik &lt;p&gt; ) </a:t>
+              <a:t>wszystkie obiekty Exercise ( screen ze slajdu 14 ). Przekaż do funkcji return render listę obiektów i wyświetl na stronie Twoje zadania. ( Wzoruj się na linii 143 z pliku exercises.html, dane wstaw w znacznik &lt;p&gt; ) </a:t>
             </a:r>
             <a:endParaRPr/>
           </a:p>
@@ -31573,7 +32338,7 @@
         </p:spPr>
         <p:txBody>
           <a:bodyPr anchorCtr="0" anchor="t" bIns="34275" lIns="68575" spcFirstLastPara="1" rIns="68575" wrap="square" tIns="34275">
-            <a:normAutofit/>
+            <a:normAutofit lnSpcReduction="20000"/>
           </a:bodyPr>
           <a:lstStyle/>
           <a:p>
@@ -31606,6 +32371,23 @@
             </a:pPr>
             <a:r>
               <a:rPr lang="pl" sz="1800"/>
+              <a:t>Przedstawienie aplikacji</a:t>
+            </a:r>
+            <a:endParaRPr sz="1800"/>
+          </a:p>
+          <a:p>
+            <a:pPr indent="-342900" lvl="0" marL="457200" rtl="0" algn="l">
+              <a:spcBef>
+                <a:spcPts val="0"/>
+              </a:spcBef>
+              <a:spcAft>
+                <a:spcPts val="0"/>
+              </a:spcAft>
+              <a:buSzPts val="1800"/>
+              <a:buChar char="●"/>
+            </a:pPr>
+            <a:r>
+              <a:rPr lang="pl" sz="1800"/>
               <a:t>Czym jest Django ? </a:t>
             </a:r>
             <a:endParaRPr sz="1800"/>
@@ -31628,19 +32410,17 @@
             <a:endParaRPr sz="1800"/>
           </a:p>
           <a:p>
-            <a:pPr indent="-342900" lvl="0" marL="457200" rtl="0" algn="l">
-              <a:spcBef>
-                <a:spcPts val="0"/>
-              </a:spcBef>
-              <a:spcAft>
-                <a:spcPts val="0"/>
-              </a:spcAft>
-              <a:buSzPts val="1800"/>
-              <a:buChar char="●"/>
+            <a:pPr indent="0" lvl="0" marL="0" rtl="0" algn="l">
+              <a:spcBef>
+                <a:spcPts val="800"/>
+              </a:spcBef>
+              <a:spcAft>
+                <a:spcPts val="0"/>
+              </a:spcAft>
+              <a:buNone/>
             </a:pPr>
             <a:r>
-              <a:rPr lang="pl" sz="1800"/>
-              <a:t>Przedstawienie aplikacji</a:t>
+              <a:t/>
             </a:r>
             <a:endParaRPr sz="1800"/>
           </a:p>
@@ -31986,6 +32766,381 @@
         <p:nvSpPr>
           <p:cNvPr id="331" name="Google Shape;331;p23"/>
           <p:cNvSpPr txBox="1"/>
+          <p:nvPr/>
+        </p:nvSpPr>
+        <p:spPr>
+          <a:xfrm>
+            <a:off x="472950" y="1171925"/>
+            <a:ext cx="2829000" cy="754200"/>
+          </a:xfrm>
+          <a:prstGeom prst="rect">
+            <a:avLst/>
+          </a:prstGeom>
+          <a:noFill/>
+          <a:ln>
+            <a:noFill/>
+          </a:ln>
+        </p:spPr>
+        <p:txBody>
+          <a:bodyPr anchorCtr="0" anchor="t" bIns="91425" lIns="91425" spcFirstLastPara="1" rIns="91425" wrap="square" tIns="91425">
+            <a:spAutoFit/>
+          </a:bodyPr>
+          <a:lstStyle/>
+          <a:p>
+            <a:pPr indent="0" lvl="0" marL="0" rtl="0" algn="l">
+              <a:spcBef>
+                <a:spcPts val="0"/>
+              </a:spcBef>
+              <a:spcAft>
+                <a:spcPts val="0"/>
+              </a:spcAft>
+              <a:buNone/>
+            </a:pPr>
+            <a:r>
+              <a:rPr lang="pl" sz="3700">
+                <a:solidFill>
+                  <a:schemeClr val="lt1"/>
+                </a:solidFill>
+              </a:rPr>
+              <a:t>PROFILE</a:t>
+            </a:r>
+            <a:endParaRPr sz="3700">
+              <a:solidFill>
+                <a:schemeClr val="lt1"/>
+              </a:solidFill>
+            </a:endParaRPr>
+          </a:p>
+        </p:txBody>
+      </p:sp>
+    </p:spTree>
+  </p:cSld>
+  <p:clrMapOvr>
+    <a:masterClrMapping/>
+  </p:clrMapOvr>
+</p:sld>
+</file>
+
+<file path=ppt/slides/slide4.xml><?xml version="1.0" encoding="utf-8"?>
+<p:sld xmlns:a="http://schemas.openxmlformats.org/drawingml/2006/main" xmlns:r="http://schemas.openxmlformats.org/officeDocument/2006/relationships" xmlns:mc="http://schemas.openxmlformats.org/markup-compatibility/2006" xmlns:mv="urn:schemas-microsoft-com:mac:vml" xmlns:p="http://schemas.openxmlformats.org/presentationml/2006/main" xmlns:c="http://schemas.openxmlformats.org/drawingml/2006/chart" xmlns:dgm="http://schemas.openxmlformats.org/drawingml/2006/diagram" xmlns:o="urn:schemas-microsoft-com:office:office" xmlns:v="urn:schemas-microsoft-com:vml" xmlns:pvml="urn:schemas-microsoft-com:office:powerpoint" xmlns:com="http://schemas.openxmlformats.org/drawingml/2006/compatibility" xmlns:p14="http://schemas.microsoft.com/office/powerpoint/2010/main" xmlns:p15="http://schemas.microsoft.com/office/powerpoint/2012/main" xmlns:ahyp="http://schemas.microsoft.com/office/drawing/2018/hyperlinkcolor">
+  <p:cSld>
+    <p:spTree>
+      <p:nvGrpSpPr>
+        <p:cNvPr id="335" name="Shape 335"/>
+        <p:cNvGrpSpPr/>
+        <p:nvPr/>
+      </p:nvGrpSpPr>
+      <p:grpSpPr>
+        <a:xfrm>
+          <a:off x="0" y="0"/>
+          <a:ext cx="0" cy="0"/>
+          <a:chOff x="0" y="0"/>
+          <a:chExt cx="0" cy="0"/>
+        </a:xfrm>
+      </p:grpSpPr>
+      <p:sp>
+        <p:nvSpPr>
+          <p:cNvPr id="336" name="Google Shape;336;p24"/>
+          <p:cNvSpPr txBox="1"/>
+          <p:nvPr/>
+        </p:nvSpPr>
+        <p:spPr>
+          <a:xfrm>
+            <a:off x="543050" y="1197300"/>
+            <a:ext cx="2829000" cy="754200"/>
+          </a:xfrm>
+          <a:prstGeom prst="rect">
+            <a:avLst/>
+          </a:prstGeom>
+          <a:noFill/>
+          <a:ln>
+            <a:noFill/>
+          </a:ln>
+        </p:spPr>
+        <p:txBody>
+          <a:bodyPr anchorCtr="0" anchor="t" bIns="91425" lIns="91425" spcFirstLastPara="1" rIns="91425" wrap="square" tIns="91425">
+            <a:spAutoFit/>
+          </a:bodyPr>
+          <a:lstStyle/>
+          <a:p>
+            <a:pPr indent="0" lvl="0" marL="0" rtl="0" algn="l">
+              <a:spcBef>
+                <a:spcPts val="0"/>
+              </a:spcBef>
+              <a:spcAft>
+                <a:spcPts val="0"/>
+              </a:spcAft>
+              <a:buNone/>
+            </a:pPr>
+            <a:r>
+              <a:rPr lang="pl" sz="3700">
+                <a:solidFill>
+                  <a:schemeClr val="lt1"/>
+                </a:solidFill>
+              </a:rPr>
+              <a:t>WORKOUT</a:t>
+            </a:r>
+            <a:endParaRPr sz="3700">
+              <a:solidFill>
+                <a:schemeClr val="lt1"/>
+              </a:solidFill>
+            </a:endParaRPr>
+          </a:p>
+        </p:txBody>
+      </p:sp>
+    </p:spTree>
+  </p:cSld>
+  <p:clrMapOvr>
+    <a:masterClrMapping/>
+  </p:clrMapOvr>
+</p:sld>
+</file>
+
+<file path=ppt/slides/slide5.xml><?xml version="1.0" encoding="utf-8"?>
+<p:sld xmlns:a="http://schemas.openxmlformats.org/drawingml/2006/main" xmlns:r="http://schemas.openxmlformats.org/officeDocument/2006/relationships" xmlns:mc="http://schemas.openxmlformats.org/markup-compatibility/2006" xmlns:mv="urn:schemas-microsoft-com:mac:vml" xmlns:p="http://schemas.openxmlformats.org/presentationml/2006/main" xmlns:c="http://schemas.openxmlformats.org/drawingml/2006/chart" xmlns:dgm="http://schemas.openxmlformats.org/drawingml/2006/diagram" xmlns:o="urn:schemas-microsoft-com:office:office" xmlns:v="urn:schemas-microsoft-com:vml" xmlns:pvml="urn:schemas-microsoft-com:office:powerpoint" xmlns:com="http://schemas.openxmlformats.org/drawingml/2006/compatibility" xmlns:p14="http://schemas.microsoft.com/office/powerpoint/2010/main" xmlns:p15="http://schemas.microsoft.com/office/powerpoint/2012/main" xmlns:ahyp="http://schemas.microsoft.com/office/drawing/2018/hyperlinkcolor">
+  <p:cSld>
+    <p:spTree>
+      <p:nvGrpSpPr>
+        <p:cNvPr id="340" name="Shape 340"/>
+        <p:cNvGrpSpPr/>
+        <p:nvPr/>
+      </p:nvGrpSpPr>
+      <p:grpSpPr>
+        <a:xfrm>
+          <a:off x="0" y="0"/>
+          <a:ext cx="0" cy="0"/>
+          <a:chOff x="0" y="0"/>
+          <a:chExt cx="0" cy="0"/>
+        </a:xfrm>
+      </p:grpSpPr>
+      <p:sp>
+        <p:nvSpPr>
+          <p:cNvPr id="341" name="Google Shape;341;p25"/>
+          <p:cNvSpPr txBox="1"/>
+          <p:nvPr/>
+        </p:nvSpPr>
+        <p:spPr>
+          <a:xfrm>
+            <a:off x="514475" y="1094250"/>
+            <a:ext cx="2829000" cy="754200"/>
+          </a:xfrm>
+          <a:prstGeom prst="rect">
+            <a:avLst/>
+          </a:prstGeom>
+          <a:noFill/>
+          <a:ln>
+            <a:noFill/>
+          </a:ln>
+        </p:spPr>
+        <p:txBody>
+          <a:bodyPr anchorCtr="0" anchor="t" bIns="91425" lIns="91425" spcFirstLastPara="1" rIns="91425" wrap="square" tIns="91425">
+            <a:spAutoFit/>
+          </a:bodyPr>
+          <a:lstStyle/>
+          <a:p>
+            <a:pPr indent="0" lvl="0" marL="0" rtl="0" algn="l">
+              <a:spcBef>
+                <a:spcPts val="0"/>
+              </a:spcBef>
+              <a:spcAft>
+                <a:spcPts val="0"/>
+              </a:spcAft>
+              <a:buNone/>
+            </a:pPr>
+            <a:r>
+              <a:rPr lang="pl" sz="3700">
+                <a:solidFill>
+                  <a:schemeClr val="lt1"/>
+                </a:solidFill>
+              </a:rPr>
+              <a:t>DIET</a:t>
+            </a:r>
+            <a:endParaRPr sz="3700">
+              <a:solidFill>
+                <a:schemeClr val="lt1"/>
+              </a:solidFill>
+            </a:endParaRPr>
+          </a:p>
+        </p:txBody>
+      </p:sp>
+    </p:spTree>
+  </p:cSld>
+  <p:clrMapOvr>
+    <a:masterClrMapping/>
+  </p:clrMapOvr>
+</p:sld>
+</file>
+
+<file path=ppt/slides/slide6.xml><?xml version="1.0" encoding="utf-8"?>
+<p:sld xmlns:a="http://schemas.openxmlformats.org/drawingml/2006/main" xmlns:r="http://schemas.openxmlformats.org/officeDocument/2006/relationships" xmlns:mc="http://schemas.openxmlformats.org/markup-compatibility/2006" xmlns:mv="urn:schemas-microsoft-com:mac:vml" xmlns:p="http://schemas.openxmlformats.org/presentationml/2006/main" xmlns:c="http://schemas.openxmlformats.org/drawingml/2006/chart" xmlns:dgm="http://schemas.openxmlformats.org/drawingml/2006/diagram" xmlns:o="urn:schemas-microsoft-com:office:office" xmlns:v="urn:schemas-microsoft-com:vml" xmlns:pvml="urn:schemas-microsoft-com:office:powerpoint" xmlns:com="http://schemas.openxmlformats.org/drawingml/2006/compatibility" xmlns:p14="http://schemas.microsoft.com/office/powerpoint/2010/main" xmlns:p15="http://schemas.microsoft.com/office/powerpoint/2012/main" xmlns:ahyp="http://schemas.microsoft.com/office/drawing/2018/hyperlinkcolor">
+  <p:cSld>
+    <p:spTree>
+      <p:nvGrpSpPr>
+        <p:cNvPr id="345" name="Shape 345"/>
+        <p:cNvGrpSpPr/>
+        <p:nvPr/>
+      </p:nvGrpSpPr>
+      <p:grpSpPr>
+        <a:xfrm>
+          <a:off x="0" y="0"/>
+          <a:ext cx="0" cy="0"/>
+          <a:chOff x="0" y="0"/>
+          <a:chExt cx="0" cy="0"/>
+        </a:xfrm>
+      </p:grpSpPr>
+      <p:sp>
+        <p:nvSpPr>
+          <p:cNvPr id="346" name="Google Shape;346;p26"/>
+          <p:cNvSpPr txBox="1"/>
+          <p:nvPr/>
+        </p:nvSpPr>
+        <p:spPr>
+          <a:xfrm>
+            <a:off x="543050" y="1197300"/>
+            <a:ext cx="2829000" cy="754200"/>
+          </a:xfrm>
+          <a:prstGeom prst="rect">
+            <a:avLst/>
+          </a:prstGeom>
+          <a:noFill/>
+          <a:ln>
+            <a:noFill/>
+          </a:ln>
+        </p:spPr>
+        <p:txBody>
+          <a:bodyPr anchorCtr="0" anchor="t" bIns="91425" lIns="91425" spcFirstLastPara="1" rIns="91425" wrap="square" tIns="91425">
+            <a:spAutoFit/>
+          </a:bodyPr>
+          <a:lstStyle/>
+          <a:p>
+            <a:pPr indent="0" lvl="0" marL="0" rtl="0" algn="l">
+              <a:spcBef>
+                <a:spcPts val="0"/>
+              </a:spcBef>
+              <a:spcAft>
+                <a:spcPts val="0"/>
+              </a:spcAft>
+              <a:buNone/>
+            </a:pPr>
+            <a:r>
+              <a:rPr lang="pl" sz="3700">
+                <a:solidFill>
+                  <a:schemeClr val="lt1"/>
+                </a:solidFill>
+              </a:rPr>
+              <a:t>FRIENDS</a:t>
+            </a:r>
+            <a:endParaRPr sz="3700">
+              <a:solidFill>
+                <a:schemeClr val="lt1"/>
+              </a:solidFill>
+            </a:endParaRPr>
+          </a:p>
+        </p:txBody>
+      </p:sp>
+    </p:spTree>
+  </p:cSld>
+  <p:clrMapOvr>
+    <a:masterClrMapping/>
+  </p:clrMapOvr>
+</p:sld>
+</file>
+
+<file path=ppt/slides/slide7.xml><?xml version="1.0" encoding="utf-8"?>
+<p:sld xmlns:a="http://schemas.openxmlformats.org/drawingml/2006/main" xmlns:r="http://schemas.openxmlformats.org/officeDocument/2006/relationships" xmlns:mc="http://schemas.openxmlformats.org/markup-compatibility/2006" xmlns:mv="urn:schemas-microsoft-com:mac:vml" xmlns:p="http://schemas.openxmlformats.org/presentationml/2006/main" xmlns:c="http://schemas.openxmlformats.org/drawingml/2006/chart" xmlns:dgm="http://schemas.openxmlformats.org/drawingml/2006/diagram" xmlns:o="urn:schemas-microsoft-com:office:office" xmlns:v="urn:schemas-microsoft-com:vml" xmlns:pvml="urn:schemas-microsoft-com:office:powerpoint" xmlns:com="http://schemas.openxmlformats.org/drawingml/2006/compatibility" xmlns:p14="http://schemas.microsoft.com/office/powerpoint/2010/main" xmlns:p15="http://schemas.microsoft.com/office/powerpoint/2012/main" xmlns:ahyp="http://schemas.microsoft.com/office/drawing/2018/hyperlinkcolor">
+  <p:cSld>
+    <p:spTree>
+      <p:nvGrpSpPr>
+        <p:cNvPr id="350" name="Shape 350"/>
+        <p:cNvGrpSpPr/>
+        <p:nvPr/>
+      </p:nvGrpSpPr>
+      <p:grpSpPr>
+        <a:xfrm>
+          <a:off x="0" y="0"/>
+          <a:ext cx="0" cy="0"/>
+          <a:chOff x="0" y="0"/>
+          <a:chExt cx="0" cy="0"/>
+        </a:xfrm>
+      </p:grpSpPr>
+      <p:sp>
+        <p:nvSpPr>
+          <p:cNvPr id="351" name="Google Shape;351;p27"/>
+          <p:cNvSpPr txBox="1"/>
+          <p:nvPr/>
+        </p:nvSpPr>
+        <p:spPr>
+          <a:xfrm>
+            <a:off x="543050" y="1197300"/>
+            <a:ext cx="2924100" cy="754200"/>
+          </a:xfrm>
+          <a:prstGeom prst="rect">
+            <a:avLst/>
+          </a:prstGeom>
+          <a:noFill/>
+          <a:ln>
+            <a:noFill/>
+          </a:ln>
+        </p:spPr>
+        <p:txBody>
+          <a:bodyPr anchorCtr="0" anchor="t" bIns="91425" lIns="91425" spcFirstLastPara="1" rIns="91425" wrap="square" tIns="91425">
+            <a:spAutoFit/>
+          </a:bodyPr>
+          <a:lstStyle/>
+          <a:p>
+            <a:pPr indent="0" lvl="0" marL="0" rtl="0" algn="l">
+              <a:spcBef>
+                <a:spcPts val="0"/>
+              </a:spcBef>
+              <a:spcAft>
+                <a:spcPts val="0"/>
+              </a:spcAft>
+              <a:buNone/>
+            </a:pPr>
+            <a:r>
+              <a:rPr lang="pl" sz="3700">
+                <a:solidFill>
+                  <a:schemeClr val="lt1"/>
+                </a:solidFill>
+              </a:rPr>
+              <a:t>EXERCISES</a:t>
+            </a:r>
+            <a:endParaRPr sz="3700">
+              <a:solidFill>
+                <a:schemeClr val="lt1"/>
+              </a:solidFill>
+            </a:endParaRPr>
+          </a:p>
+        </p:txBody>
+      </p:sp>
+    </p:spTree>
+  </p:cSld>
+  <p:clrMapOvr>
+    <a:masterClrMapping/>
+  </p:clrMapOvr>
+</p:sld>
+</file>
+
+<file path=ppt/slides/slide8.xml><?xml version="1.0" encoding="utf-8"?>
+<p:sld xmlns:a="http://schemas.openxmlformats.org/drawingml/2006/main" xmlns:r="http://schemas.openxmlformats.org/officeDocument/2006/relationships" xmlns:mc="http://schemas.openxmlformats.org/markup-compatibility/2006" xmlns:mv="urn:schemas-microsoft-com:mac:vml" xmlns:p="http://schemas.openxmlformats.org/presentationml/2006/main" xmlns:c="http://schemas.openxmlformats.org/drawingml/2006/chart" xmlns:dgm="http://schemas.openxmlformats.org/drawingml/2006/diagram" xmlns:o="urn:schemas-microsoft-com:office:office" xmlns:v="urn:schemas-microsoft-com:vml" xmlns:pvml="urn:schemas-microsoft-com:office:powerpoint" xmlns:com="http://schemas.openxmlformats.org/drawingml/2006/compatibility" xmlns:p14="http://schemas.microsoft.com/office/powerpoint/2010/main" xmlns:p15="http://schemas.microsoft.com/office/powerpoint/2012/main" xmlns:ahyp="http://schemas.microsoft.com/office/drawing/2018/hyperlinkcolor">
+  <p:cSld>
+    <p:spTree>
+      <p:nvGrpSpPr>
+        <p:cNvPr id="355" name="Shape 355"/>
+        <p:cNvGrpSpPr/>
+        <p:nvPr/>
+      </p:nvGrpSpPr>
+      <p:grpSpPr>
+        <a:xfrm>
+          <a:off x="0" y="0"/>
+          <a:ext cx="0" cy="0"/>
+          <a:chOff x="0" y="0"/>
+          <a:chExt cx="0" cy="0"/>
+        </a:xfrm>
+      </p:grpSpPr>
+      <p:sp>
+        <p:nvSpPr>
+          <p:cNvPr id="356" name="Google Shape;356;p28"/>
+          <p:cNvSpPr txBox="1"/>
           <p:nvPr>
             <p:ph type="title"/>
           </p:nvPr>
@@ -32024,7 +33179,7 @@
       </p:sp>
       <p:sp>
         <p:nvSpPr>
-          <p:cNvPr id="332" name="Google Shape;332;p23"/>
+          <p:cNvPr id="357" name="Google Shape;357;p28"/>
           <p:cNvSpPr txBox="1"/>
           <p:nvPr>
             <p:ph idx="1" type="body"/>
@@ -32116,7 +33271,7 @@
       </p:sp>
       <p:pic>
         <p:nvPicPr>
-          <p:cNvPr id="333" name="Google Shape;333;p23"/>
+          <p:cNvPr id="358" name="Google Shape;358;p28"/>
           <p:cNvPicPr preferRelativeResize="0"/>
           <p:nvPr/>
         </p:nvPicPr>
@@ -32150,12 +33305,12 @@
 </p:sld>
 </file>
 
-<file path=ppt/slides/slide4.xml><?xml version="1.0" encoding="utf-8"?>
+<file path=ppt/slides/slide9.xml><?xml version="1.0" encoding="utf-8"?>
 <p:sld xmlns:a="http://schemas.openxmlformats.org/drawingml/2006/main" xmlns:r="http://schemas.openxmlformats.org/officeDocument/2006/relationships" xmlns:mc="http://schemas.openxmlformats.org/markup-compatibility/2006" xmlns:mv="urn:schemas-microsoft-com:mac:vml" xmlns:p="http://schemas.openxmlformats.org/presentationml/2006/main" xmlns:c="http://schemas.openxmlformats.org/drawingml/2006/chart" xmlns:dgm="http://schemas.openxmlformats.org/drawingml/2006/diagram" xmlns:o="urn:schemas-microsoft-com:office:office" xmlns:v="urn:schemas-microsoft-com:vml" xmlns:pvml="urn:schemas-microsoft-com:office:powerpoint" xmlns:com="http://schemas.openxmlformats.org/drawingml/2006/compatibility" xmlns:p14="http://schemas.microsoft.com/office/powerpoint/2010/main" xmlns:p15="http://schemas.microsoft.com/office/powerpoint/2012/main" xmlns:ahyp="http://schemas.microsoft.com/office/drawing/2018/hyperlinkcolor">
   <p:cSld>
     <p:spTree>
       <p:nvGrpSpPr>
-        <p:cNvPr id="337" name="Shape 337"/>
+        <p:cNvPr id="362" name="Shape 362"/>
         <p:cNvGrpSpPr/>
         <p:nvPr/>
       </p:nvGrpSpPr>
@@ -32169,7 +33324,7 @@
       </p:grpSpPr>
       <p:sp>
         <p:nvSpPr>
-          <p:cNvPr id="338" name="Google Shape;338;p24"/>
+          <p:cNvPr id="363" name="Google Shape;363;p29"/>
           <p:cNvSpPr txBox="1"/>
           <p:nvPr>
             <p:ph type="title"/>
@@ -32209,7 +33364,7 @@
       </p:sp>
       <p:sp>
         <p:nvSpPr>
-          <p:cNvPr id="339" name="Google Shape;339;p24"/>
+          <p:cNvPr id="364" name="Google Shape;364;p29"/>
           <p:cNvSpPr txBox="1"/>
           <p:nvPr>
             <p:ph idx="1" type="body"/>
@@ -32360,7 +33515,7 @@
       </p:sp>
       <p:pic>
         <p:nvPicPr>
-          <p:cNvPr id="340" name="Google Shape;340;p24"/>
+          <p:cNvPr id="365" name="Google Shape;365;p29"/>
           <p:cNvPicPr preferRelativeResize="0"/>
           <p:nvPr/>
         </p:nvPicPr>
@@ -32387,7 +33542,7 @@
       </p:pic>
       <p:pic>
         <p:nvPicPr>
-          <p:cNvPr id="341" name="Google Shape;341;p24"/>
+          <p:cNvPr id="366" name="Google Shape;366;p29"/>
           <p:cNvPicPr preferRelativeResize="0"/>
           <p:nvPr/>
         </p:nvPicPr>
@@ -32415,7 +33570,7 @@
       </p:pic>
       <p:sp>
         <p:nvSpPr>
-          <p:cNvPr id="342" name="Google Shape;342;p24"/>
+          <p:cNvPr id="367" name="Google Shape;367;p29"/>
           <p:cNvSpPr txBox="1"/>
           <p:nvPr/>
         </p:nvSpPr>
@@ -32456,7 +33611,7 @@
       </p:sp>
       <p:pic>
         <p:nvPicPr>
-          <p:cNvPr id="343" name="Google Shape;343;p24"/>
+          <p:cNvPr id="368" name="Google Shape;368;p29"/>
           <p:cNvPicPr preferRelativeResize="0"/>
           <p:nvPr/>
         </p:nvPicPr>
@@ -32484,7 +33639,7 @@
       </p:pic>
       <p:pic>
         <p:nvPicPr>
-          <p:cNvPr id="344" name="Google Shape;344;p24"/>
+          <p:cNvPr id="369" name="Google Shape;369;p29"/>
           <p:cNvPicPr preferRelativeResize="0"/>
           <p:nvPr/>
         </p:nvPicPr>
@@ -32500,1146 +33655,6 @@
           <a:xfrm>
             <a:off x="3603696" y="3573600"/>
             <a:ext cx="4237601" cy="1169850"/>
-          </a:xfrm>
-          <a:prstGeom prst="rect">
-            <a:avLst/>
-          </a:prstGeom>
-          <a:noFill/>
-          <a:ln>
-            <a:noFill/>
-          </a:ln>
-        </p:spPr>
-      </p:pic>
-    </p:spTree>
-  </p:cSld>
-  <p:clrMapOvr>
-    <a:masterClrMapping/>
-  </p:clrMapOvr>
-</p:sld>
-</file>
-
-<file path=ppt/slides/slide5.xml><?xml version="1.0" encoding="utf-8"?>
-<p:sld xmlns:a="http://schemas.openxmlformats.org/drawingml/2006/main" xmlns:r="http://schemas.openxmlformats.org/officeDocument/2006/relationships" xmlns:mc="http://schemas.openxmlformats.org/markup-compatibility/2006" xmlns:mv="urn:schemas-microsoft-com:mac:vml" xmlns:p="http://schemas.openxmlformats.org/presentationml/2006/main" xmlns:c="http://schemas.openxmlformats.org/drawingml/2006/chart" xmlns:dgm="http://schemas.openxmlformats.org/drawingml/2006/diagram" xmlns:o="urn:schemas-microsoft-com:office:office" xmlns:v="urn:schemas-microsoft-com:vml" xmlns:pvml="urn:schemas-microsoft-com:office:powerpoint" xmlns:com="http://schemas.openxmlformats.org/drawingml/2006/compatibility" xmlns:p14="http://schemas.microsoft.com/office/powerpoint/2010/main" xmlns:p15="http://schemas.microsoft.com/office/powerpoint/2012/main" xmlns:ahyp="http://schemas.microsoft.com/office/drawing/2018/hyperlinkcolor">
-  <p:cSld>
-    <p:spTree>
-      <p:nvGrpSpPr>
-        <p:cNvPr id="348" name="Shape 348"/>
-        <p:cNvGrpSpPr/>
-        <p:nvPr/>
-      </p:nvGrpSpPr>
-      <p:grpSpPr>
-        <a:xfrm>
-          <a:off x="0" y="0"/>
-          <a:ext cx="0" cy="0"/>
-          <a:chOff x="0" y="0"/>
-          <a:chExt cx="0" cy="0"/>
-        </a:xfrm>
-      </p:grpSpPr>
-      <p:sp>
-        <p:nvSpPr>
-          <p:cNvPr id="349" name="Google Shape;349;p25"/>
-          <p:cNvSpPr txBox="1"/>
-          <p:nvPr>
-            <p:ph type="title"/>
-          </p:nvPr>
-        </p:nvSpPr>
-        <p:spPr>
-          <a:xfrm>
-            <a:off x="333375" y="407194"/>
-            <a:ext cx="8410500" cy="401700"/>
-          </a:xfrm>
-          <a:prstGeom prst="rect">
-            <a:avLst/>
-          </a:prstGeom>
-        </p:spPr>
-        <p:txBody>
-          <a:bodyPr anchorCtr="0" anchor="t" bIns="34275" lIns="68575" spcFirstLastPara="1" rIns="68575" wrap="square" tIns="34275">
-            <a:spAutoFit/>
-          </a:bodyPr>
-          <a:lstStyle/>
-          <a:p>
-            <a:pPr indent="0" lvl="0" marL="0" rtl="0" algn="l">
-              <a:spcBef>
-                <a:spcPts val="0"/>
-              </a:spcBef>
-              <a:spcAft>
-                <a:spcPts val="0"/>
-              </a:spcAft>
-              <a:buNone/>
-            </a:pPr>
-            <a:r>
-              <a:rPr lang="pl"/>
-              <a:t>Ważne komendy</a:t>
-            </a:r>
-            <a:endParaRPr/>
-          </a:p>
-        </p:txBody>
-      </p:sp>
-      <p:sp>
-        <p:nvSpPr>
-          <p:cNvPr id="350" name="Google Shape;350;p25"/>
-          <p:cNvSpPr txBox="1"/>
-          <p:nvPr>
-            <p:ph idx="1" type="body"/>
-          </p:nvPr>
-        </p:nvSpPr>
-        <p:spPr>
-          <a:xfrm>
-            <a:off x="332525" y="1302075"/>
-            <a:ext cx="8040000" cy="1269600"/>
-          </a:xfrm>
-          <a:prstGeom prst="rect">
-            <a:avLst/>
-          </a:prstGeom>
-        </p:spPr>
-        <p:txBody>
-          <a:bodyPr anchorCtr="0" anchor="t" bIns="34275" lIns="68575" spcFirstLastPara="1" rIns="68575" wrap="square" tIns="34275">
-            <a:normAutofit/>
-          </a:bodyPr>
-          <a:lstStyle/>
-          <a:p>
-            <a:pPr indent="-349250" lvl="0" marL="457200" rtl="0" algn="l">
-              <a:spcBef>
-                <a:spcPts val="800"/>
-              </a:spcBef>
-              <a:spcAft>
-                <a:spcPts val="0"/>
-              </a:spcAft>
-              <a:buSzPts val="1900"/>
-              <a:buChar char="●"/>
-            </a:pPr>
-            <a:r>
-              <a:rPr lang="pl" sz="1900"/>
-              <a:t>python manage.py runserver</a:t>
-            </a:r>
-            <a:endParaRPr sz="1900"/>
-          </a:p>
-          <a:p>
-            <a:pPr indent="-349250" lvl="0" marL="457200" rtl="0" algn="l">
-              <a:spcBef>
-                <a:spcPts val="0"/>
-              </a:spcBef>
-              <a:spcAft>
-                <a:spcPts val="0"/>
-              </a:spcAft>
-              <a:buSzPts val="1900"/>
-              <a:buChar char="●"/>
-            </a:pPr>
-            <a:r>
-              <a:rPr lang="pl" sz="1900"/>
-              <a:t>python manage.py createsuperuser</a:t>
-            </a:r>
-            <a:endParaRPr sz="1900"/>
-          </a:p>
-          <a:p>
-            <a:pPr indent="-349250" lvl="0" marL="457200" rtl="0" algn="l">
-              <a:spcBef>
-                <a:spcPts val="0"/>
-              </a:spcBef>
-              <a:spcAft>
-                <a:spcPts val="0"/>
-              </a:spcAft>
-              <a:buSzPts val="1900"/>
-              <a:buChar char="●"/>
-            </a:pPr>
-            <a:r>
-              <a:rPr lang="pl" sz="1900"/>
-              <a:t>python manage.py makemigrations</a:t>
-            </a:r>
-            <a:endParaRPr sz="1900"/>
-          </a:p>
-          <a:p>
-            <a:pPr indent="-349250" lvl="0" marL="457200" rtl="0" algn="l">
-              <a:spcBef>
-                <a:spcPts val="0"/>
-              </a:spcBef>
-              <a:spcAft>
-                <a:spcPts val="0"/>
-              </a:spcAft>
-              <a:buSzPts val="1900"/>
-              <a:buChar char="●"/>
-            </a:pPr>
-            <a:r>
-              <a:rPr lang="pl" sz="1900"/>
-              <a:t>python manage.py migrate</a:t>
-            </a:r>
-            <a:endParaRPr sz="2100"/>
-          </a:p>
-        </p:txBody>
-      </p:sp>
-      <p:pic>
-        <p:nvPicPr>
-          <p:cNvPr id="351" name="Google Shape;351;p25"/>
-          <p:cNvPicPr preferRelativeResize="0"/>
-          <p:nvPr/>
-        </p:nvPicPr>
-        <p:blipFill>
-          <a:blip r:embed="rId3">
-            <a:alphaModFix/>
-          </a:blip>
-          <a:stretch>
-            <a:fillRect/>
-          </a:stretch>
-        </p:blipFill>
-        <p:spPr>
-          <a:xfrm>
-            <a:off x="1138200" y="2743200"/>
-            <a:ext cx="6800850" cy="2133600"/>
-          </a:xfrm>
-          <a:prstGeom prst="rect">
-            <a:avLst/>
-          </a:prstGeom>
-          <a:noFill/>
-          <a:ln>
-            <a:noFill/>
-          </a:ln>
-        </p:spPr>
-      </p:pic>
-    </p:spTree>
-  </p:cSld>
-  <p:clrMapOvr>
-    <a:masterClrMapping/>
-  </p:clrMapOvr>
-</p:sld>
-</file>
-
-<file path=ppt/slides/slide6.xml><?xml version="1.0" encoding="utf-8"?>
-<p:sld xmlns:a="http://schemas.openxmlformats.org/drawingml/2006/main" xmlns:r="http://schemas.openxmlformats.org/officeDocument/2006/relationships" xmlns:mc="http://schemas.openxmlformats.org/markup-compatibility/2006" xmlns:mv="urn:schemas-microsoft-com:mac:vml" xmlns:p="http://schemas.openxmlformats.org/presentationml/2006/main" xmlns:c="http://schemas.openxmlformats.org/drawingml/2006/chart" xmlns:dgm="http://schemas.openxmlformats.org/drawingml/2006/diagram" xmlns:o="urn:schemas-microsoft-com:office:office" xmlns:v="urn:schemas-microsoft-com:vml" xmlns:pvml="urn:schemas-microsoft-com:office:powerpoint" xmlns:com="http://schemas.openxmlformats.org/drawingml/2006/compatibility" xmlns:p14="http://schemas.microsoft.com/office/powerpoint/2010/main" xmlns:p15="http://schemas.microsoft.com/office/powerpoint/2012/main" xmlns:ahyp="http://schemas.microsoft.com/office/drawing/2018/hyperlinkcolor">
-  <p:cSld>
-    <p:spTree>
-      <p:nvGrpSpPr>
-        <p:cNvPr id="355" name="Shape 355"/>
-        <p:cNvGrpSpPr/>
-        <p:nvPr/>
-      </p:nvGrpSpPr>
-      <p:grpSpPr>
-        <a:xfrm>
-          <a:off x="0" y="0"/>
-          <a:ext cx="0" cy="0"/>
-          <a:chOff x="0" y="0"/>
-          <a:chExt cx="0" cy="0"/>
-        </a:xfrm>
-      </p:grpSpPr>
-      <p:sp>
-        <p:nvSpPr>
-          <p:cNvPr id="356" name="Google Shape;356;p26"/>
-          <p:cNvSpPr txBox="1"/>
-          <p:nvPr>
-            <p:ph type="title"/>
-          </p:nvPr>
-        </p:nvSpPr>
-        <p:spPr>
-          <a:xfrm>
-            <a:off x="333375" y="407194"/>
-            <a:ext cx="8410500" cy="401700"/>
-          </a:xfrm>
-          <a:prstGeom prst="rect">
-            <a:avLst/>
-          </a:prstGeom>
-        </p:spPr>
-        <p:txBody>
-          <a:bodyPr anchorCtr="0" anchor="t" bIns="34275" lIns="68575" spcFirstLastPara="1" rIns="68575" wrap="square" tIns="34275">
-            <a:spAutoFit/>
-          </a:bodyPr>
-          <a:lstStyle/>
-          <a:p>
-            <a:pPr indent="0" lvl="0" marL="0" rtl="0" algn="l">
-              <a:spcBef>
-                <a:spcPts val="0"/>
-              </a:spcBef>
-              <a:spcAft>
-                <a:spcPts val="0"/>
-              </a:spcAft>
-              <a:buNone/>
-            </a:pPr>
-            <a:r>
-              <a:rPr lang="pl"/>
-              <a:t>urls.py</a:t>
-            </a:r>
-            <a:endParaRPr/>
-          </a:p>
-        </p:txBody>
-      </p:sp>
-      <p:sp>
-        <p:nvSpPr>
-          <p:cNvPr id="357" name="Google Shape;357;p26"/>
-          <p:cNvSpPr txBox="1"/>
-          <p:nvPr>
-            <p:ph idx="1" type="body"/>
-          </p:nvPr>
-        </p:nvSpPr>
-        <p:spPr>
-          <a:xfrm>
-            <a:off x="332525" y="1083475"/>
-            <a:ext cx="3677700" cy="1699200"/>
-          </a:xfrm>
-          <a:prstGeom prst="rect">
-            <a:avLst/>
-          </a:prstGeom>
-        </p:spPr>
-        <p:txBody>
-          <a:bodyPr anchorCtr="0" anchor="t" bIns="34275" lIns="68575" spcFirstLastPara="1" rIns="68575" wrap="square" tIns="34275">
-            <a:normAutofit/>
-          </a:bodyPr>
-          <a:lstStyle/>
-          <a:p>
-            <a:pPr indent="-304800" lvl="0" marL="457200" rtl="0" algn="l">
-              <a:spcBef>
-                <a:spcPts val="800"/>
-              </a:spcBef>
-              <a:spcAft>
-                <a:spcPts val="0"/>
-              </a:spcAft>
-              <a:buSzPts val="1200"/>
-              <a:buChar char="●"/>
-            </a:pPr>
-            <a:r>
-              <a:rPr lang="pl"/>
-              <a:t>Są dwa takie pliki, jeden w naszym projekcie, a drugi w naszej aplikacji</a:t>
-            </a:r>
-            <a:endParaRPr/>
-          </a:p>
-          <a:p>
-            <a:pPr indent="-304800" lvl="0" marL="457200" rtl="0" algn="l">
-              <a:spcBef>
-                <a:spcPts val="0"/>
-              </a:spcBef>
-              <a:spcAft>
-                <a:spcPts val="0"/>
-              </a:spcAft>
-              <a:buSzPts val="1200"/>
-              <a:buChar char="●"/>
-            </a:pPr>
-            <a:r>
-              <a:rPr lang="pl"/>
-              <a:t>pomaga w </a:t>
-            </a:r>
-            <a:r>
-              <a:rPr lang="pl"/>
-              <a:t>przemieszczaniu</a:t>
-            </a:r>
-            <a:r>
-              <a:rPr lang="pl"/>
-              <a:t> się między </a:t>
-            </a:r>
-            <a:r>
-              <a:rPr lang="pl"/>
-              <a:t>podstronami</a:t>
-            </a:r>
-            <a:endParaRPr/>
-          </a:p>
-          <a:p>
-            <a:pPr indent="-304800" lvl="0" marL="457200" rtl="0" algn="l">
-              <a:spcBef>
-                <a:spcPts val="0"/>
-              </a:spcBef>
-              <a:spcAft>
-                <a:spcPts val="0"/>
-              </a:spcAft>
-              <a:buSzPts val="1200"/>
-              <a:buChar char="●"/>
-            </a:pPr>
-            <a:r>
-              <a:rPr lang="pl"/>
-              <a:t>przekazywanie argumentów</a:t>
-            </a:r>
-            <a:endParaRPr/>
-          </a:p>
-        </p:txBody>
-      </p:sp>
-      <p:pic>
-        <p:nvPicPr>
-          <p:cNvPr id="358" name="Google Shape;358;p26"/>
-          <p:cNvPicPr preferRelativeResize="0"/>
-          <p:nvPr/>
-        </p:nvPicPr>
-        <p:blipFill>
-          <a:blip r:embed="rId3">
-            <a:alphaModFix/>
-          </a:blip>
-          <a:stretch>
-            <a:fillRect/>
-          </a:stretch>
-        </p:blipFill>
-        <p:spPr>
-          <a:xfrm>
-            <a:off x="333375" y="2032700"/>
-            <a:ext cx="5016126" cy="2942350"/>
-          </a:xfrm>
-          <a:prstGeom prst="rect">
-            <a:avLst/>
-          </a:prstGeom>
-          <a:noFill/>
-          <a:ln>
-            <a:noFill/>
-          </a:ln>
-        </p:spPr>
-      </p:pic>
-      <p:pic>
-        <p:nvPicPr>
-          <p:cNvPr id="359" name="Google Shape;359;p26"/>
-          <p:cNvPicPr preferRelativeResize="0"/>
-          <p:nvPr/>
-        </p:nvPicPr>
-        <p:blipFill>
-          <a:blip r:embed="rId4">
-            <a:alphaModFix/>
-          </a:blip>
-          <a:stretch>
-            <a:fillRect/>
-          </a:stretch>
-        </p:blipFill>
-        <p:spPr>
-          <a:xfrm>
-            <a:off x="4742025" y="1083475"/>
-            <a:ext cx="4001850" cy="790850"/>
-          </a:xfrm>
-          <a:prstGeom prst="rect">
-            <a:avLst/>
-          </a:prstGeom>
-          <a:noFill/>
-          <a:ln>
-            <a:noFill/>
-          </a:ln>
-        </p:spPr>
-      </p:pic>
-      <p:pic>
-        <p:nvPicPr>
-          <p:cNvPr id="360" name="Google Shape;360;p26"/>
-          <p:cNvPicPr preferRelativeResize="0"/>
-          <p:nvPr/>
-        </p:nvPicPr>
-        <p:blipFill>
-          <a:blip r:embed="rId5">
-            <a:alphaModFix/>
-          </a:blip>
-          <a:stretch>
-            <a:fillRect/>
-          </a:stretch>
-        </p:blipFill>
-        <p:spPr>
-          <a:xfrm>
-            <a:off x="5592425" y="2474400"/>
-            <a:ext cx="2699733" cy="422850"/>
-          </a:xfrm>
-          <a:prstGeom prst="rect">
-            <a:avLst/>
-          </a:prstGeom>
-          <a:noFill/>
-          <a:ln>
-            <a:noFill/>
-          </a:ln>
-        </p:spPr>
-      </p:pic>
-    </p:spTree>
-  </p:cSld>
-  <p:clrMapOvr>
-    <a:masterClrMapping/>
-  </p:clrMapOvr>
-</p:sld>
-</file>
-
-<file path=ppt/slides/slide7.xml><?xml version="1.0" encoding="utf-8"?>
-<p:sld xmlns:a="http://schemas.openxmlformats.org/drawingml/2006/main" xmlns:r="http://schemas.openxmlformats.org/officeDocument/2006/relationships" xmlns:mc="http://schemas.openxmlformats.org/markup-compatibility/2006" xmlns:mv="urn:schemas-microsoft-com:mac:vml" xmlns:p="http://schemas.openxmlformats.org/presentationml/2006/main" xmlns:c="http://schemas.openxmlformats.org/drawingml/2006/chart" xmlns:dgm="http://schemas.openxmlformats.org/drawingml/2006/diagram" xmlns:o="urn:schemas-microsoft-com:office:office" xmlns:v="urn:schemas-microsoft-com:vml" xmlns:pvml="urn:schemas-microsoft-com:office:powerpoint" xmlns:com="http://schemas.openxmlformats.org/drawingml/2006/compatibility" xmlns:p14="http://schemas.microsoft.com/office/powerpoint/2010/main" xmlns:p15="http://schemas.microsoft.com/office/powerpoint/2012/main" xmlns:ahyp="http://schemas.microsoft.com/office/drawing/2018/hyperlinkcolor">
-  <p:cSld>
-    <p:spTree>
-      <p:nvGrpSpPr>
-        <p:cNvPr id="364" name="Shape 364"/>
-        <p:cNvGrpSpPr/>
-        <p:nvPr/>
-      </p:nvGrpSpPr>
-      <p:grpSpPr>
-        <a:xfrm>
-          <a:off x="0" y="0"/>
-          <a:ext cx="0" cy="0"/>
-          <a:chOff x="0" y="0"/>
-          <a:chExt cx="0" cy="0"/>
-        </a:xfrm>
-      </p:grpSpPr>
-      <p:sp>
-        <p:nvSpPr>
-          <p:cNvPr id="365" name="Google Shape;365;p27"/>
-          <p:cNvSpPr txBox="1"/>
-          <p:nvPr>
-            <p:ph type="title"/>
-          </p:nvPr>
-        </p:nvSpPr>
-        <p:spPr>
-          <a:xfrm>
-            <a:off x="333375" y="407194"/>
-            <a:ext cx="8410500" cy="401700"/>
-          </a:xfrm>
-          <a:prstGeom prst="rect">
-            <a:avLst/>
-          </a:prstGeom>
-        </p:spPr>
-        <p:txBody>
-          <a:bodyPr anchorCtr="0" anchor="t" bIns="34275" lIns="68575" spcFirstLastPara="1" rIns="68575" wrap="square" tIns="34275">
-            <a:spAutoFit/>
-          </a:bodyPr>
-          <a:lstStyle/>
-          <a:p>
-            <a:pPr indent="0" lvl="0" marL="0" rtl="0" algn="l">
-              <a:spcBef>
-                <a:spcPts val="0"/>
-              </a:spcBef>
-              <a:spcAft>
-                <a:spcPts val="0"/>
-              </a:spcAft>
-              <a:buNone/>
-            </a:pPr>
-            <a:r>
-              <a:rPr lang="pl"/>
-              <a:t>views.py</a:t>
-            </a:r>
-            <a:endParaRPr/>
-          </a:p>
-        </p:txBody>
-      </p:sp>
-      <p:sp>
-        <p:nvSpPr>
-          <p:cNvPr id="366" name="Google Shape;366;p27"/>
-          <p:cNvSpPr txBox="1"/>
-          <p:nvPr>
-            <p:ph idx="1" type="body"/>
-          </p:nvPr>
-        </p:nvSpPr>
-        <p:spPr>
-          <a:xfrm>
-            <a:off x="1057275" y="1312177"/>
-            <a:ext cx="7029600" cy="2519100"/>
-          </a:xfrm>
-          <a:prstGeom prst="rect">
-            <a:avLst/>
-          </a:prstGeom>
-        </p:spPr>
-        <p:txBody>
-          <a:bodyPr anchorCtr="0" anchor="t" bIns="34275" lIns="68575" spcFirstLastPara="1" rIns="68575" wrap="square" tIns="34275">
-            <a:normAutofit/>
-          </a:bodyPr>
-          <a:lstStyle/>
-          <a:p>
-            <a:pPr indent="-304800" lvl="0" marL="457200" rtl="0" algn="l">
-              <a:spcBef>
-                <a:spcPts val="800"/>
-              </a:spcBef>
-              <a:spcAft>
-                <a:spcPts val="0"/>
-              </a:spcAft>
-              <a:buSzPts val="1200"/>
-              <a:buChar char="●"/>
-            </a:pPr>
-            <a:r>
-              <a:rPr lang="pl" sz="1200"/>
-              <a:t>zawiera funkcje, które wykonują się po wpisaniu w przeglądarce odpowiedni adres. Funkcja poniżej w przeglądarce załaduje to co znajduje się w pliku main.html ( z aplikacji o nazwie Workout )</a:t>
-            </a:r>
-            <a:endParaRPr sz="1200"/>
-          </a:p>
-          <a:p>
-            <a:pPr indent="0" lvl="0" marL="0" rtl="0" algn="l">
-              <a:spcBef>
-                <a:spcPts val="800"/>
-              </a:spcBef>
-              <a:spcAft>
-                <a:spcPts val="0"/>
-              </a:spcAft>
-              <a:buNone/>
-            </a:pPr>
-            <a:r>
-              <a:t/>
-            </a:r>
-            <a:endParaRPr sz="1200"/>
-          </a:p>
-          <a:p>
-            <a:pPr indent="0" lvl="0" marL="0" rtl="0" algn="l">
-              <a:spcBef>
-                <a:spcPts val="800"/>
-              </a:spcBef>
-              <a:spcAft>
-                <a:spcPts val="0"/>
-              </a:spcAft>
-              <a:buNone/>
-            </a:pPr>
-            <a:r>
-              <a:t/>
-            </a:r>
-            <a:endParaRPr sz="1200"/>
-          </a:p>
-          <a:p>
-            <a:pPr indent="0" lvl="0" marL="0" rtl="0" algn="l">
-              <a:spcBef>
-                <a:spcPts val="800"/>
-              </a:spcBef>
-              <a:spcAft>
-                <a:spcPts val="0"/>
-              </a:spcAft>
-              <a:buNone/>
-            </a:pPr>
-            <a:r>
-              <a:t/>
-            </a:r>
-            <a:endParaRPr sz="1200"/>
-          </a:p>
-          <a:p>
-            <a:pPr indent="-304800" lvl="0" marL="457200" rtl="0" algn="l">
-              <a:spcBef>
-                <a:spcPts val="800"/>
-              </a:spcBef>
-              <a:spcAft>
-                <a:spcPts val="0"/>
-              </a:spcAft>
-              <a:buSzPts val="1200"/>
-              <a:buChar char="●"/>
-            </a:pPr>
-            <a:r>
-              <a:rPr lang="pl" sz="1200"/>
-              <a:t>views.py jest połączone z plikiem urls.py, jak widać poniżej jeżeli nasz adres strony będzie domyślny ( np. google.com ) to z views wykonamy funkcje main </a:t>
-            </a:r>
-            <a:endParaRPr sz="1200"/>
-          </a:p>
-        </p:txBody>
-      </p:sp>
-      <p:pic>
-        <p:nvPicPr>
-          <p:cNvPr id="367" name="Google Shape;367;p27"/>
-          <p:cNvPicPr preferRelativeResize="0"/>
-          <p:nvPr/>
-        </p:nvPicPr>
-        <p:blipFill>
-          <a:blip r:embed="rId3">
-            <a:alphaModFix/>
-          </a:blip>
-          <a:stretch>
-            <a:fillRect/>
-          </a:stretch>
-        </p:blipFill>
-        <p:spPr>
-          <a:xfrm>
-            <a:off x="1451050" y="1861124"/>
-            <a:ext cx="5041400" cy="710625"/>
-          </a:xfrm>
-          <a:prstGeom prst="rect">
-            <a:avLst/>
-          </a:prstGeom>
-          <a:noFill/>
-          <a:ln>
-            <a:noFill/>
-          </a:ln>
-        </p:spPr>
-      </p:pic>
-      <p:pic>
-        <p:nvPicPr>
-          <p:cNvPr id="368" name="Google Shape;368;p27"/>
-          <p:cNvPicPr preferRelativeResize="0"/>
-          <p:nvPr/>
-        </p:nvPicPr>
-        <p:blipFill>
-          <a:blip r:embed="rId4">
-            <a:alphaModFix/>
-          </a:blip>
-          <a:stretch>
-            <a:fillRect/>
-          </a:stretch>
-        </p:blipFill>
-        <p:spPr>
-          <a:xfrm>
-            <a:off x="1451043" y="3168300"/>
-            <a:ext cx="4895432" cy="710625"/>
-          </a:xfrm>
-          <a:prstGeom prst="rect">
-            <a:avLst/>
-          </a:prstGeom>
-          <a:noFill/>
-          <a:ln>
-            <a:noFill/>
-          </a:ln>
-        </p:spPr>
-      </p:pic>
-    </p:spTree>
-  </p:cSld>
-  <p:clrMapOvr>
-    <a:masterClrMapping/>
-  </p:clrMapOvr>
-</p:sld>
-</file>
-
-<file path=ppt/slides/slide8.xml><?xml version="1.0" encoding="utf-8"?>
-<p:sld xmlns:a="http://schemas.openxmlformats.org/drawingml/2006/main" xmlns:r="http://schemas.openxmlformats.org/officeDocument/2006/relationships" xmlns:mc="http://schemas.openxmlformats.org/markup-compatibility/2006" xmlns:mv="urn:schemas-microsoft-com:mac:vml" xmlns:p="http://schemas.openxmlformats.org/presentationml/2006/main" xmlns:c="http://schemas.openxmlformats.org/drawingml/2006/chart" xmlns:dgm="http://schemas.openxmlformats.org/drawingml/2006/diagram" xmlns:o="urn:schemas-microsoft-com:office:office" xmlns:v="urn:schemas-microsoft-com:vml" xmlns:pvml="urn:schemas-microsoft-com:office:powerpoint" xmlns:com="http://schemas.openxmlformats.org/drawingml/2006/compatibility" xmlns:p14="http://schemas.microsoft.com/office/powerpoint/2010/main" xmlns:p15="http://schemas.microsoft.com/office/powerpoint/2012/main" xmlns:ahyp="http://schemas.microsoft.com/office/drawing/2018/hyperlinkcolor">
-  <p:cSld>
-    <p:spTree>
-      <p:nvGrpSpPr>
-        <p:cNvPr id="372" name="Shape 372"/>
-        <p:cNvGrpSpPr/>
-        <p:nvPr/>
-      </p:nvGrpSpPr>
-      <p:grpSpPr>
-        <a:xfrm>
-          <a:off x="0" y="0"/>
-          <a:ext cx="0" cy="0"/>
-          <a:chOff x="0" y="0"/>
-          <a:chExt cx="0" cy="0"/>
-        </a:xfrm>
-      </p:grpSpPr>
-      <p:sp>
-        <p:nvSpPr>
-          <p:cNvPr id="373" name="Google Shape;373;p28"/>
-          <p:cNvSpPr txBox="1"/>
-          <p:nvPr>
-            <p:ph type="title"/>
-          </p:nvPr>
-        </p:nvSpPr>
-        <p:spPr>
-          <a:xfrm>
-            <a:off x="333375" y="407194"/>
-            <a:ext cx="8410500" cy="401700"/>
-          </a:xfrm>
-          <a:prstGeom prst="rect">
-            <a:avLst/>
-          </a:prstGeom>
-        </p:spPr>
-        <p:txBody>
-          <a:bodyPr anchorCtr="0" anchor="t" bIns="34275" lIns="68575" spcFirstLastPara="1" rIns="68575" wrap="square" tIns="34275">
-            <a:spAutoFit/>
-          </a:bodyPr>
-          <a:lstStyle/>
-          <a:p>
-            <a:pPr indent="0" lvl="0" marL="0" rtl="0" algn="l">
-              <a:spcBef>
-                <a:spcPts val="0"/>
-              </a:spcBef>
-              <a:spcAft>
-                <a:spcPts val="0"/>
-              </a:spcAft>
-              <a:buNone/>
-            </a:pPr>
-            <a:r>
-              <a:rPr lang="pl"/>
-              <a:t>models.py </a:t>
-            </a:r>
-            <a:endParaRPr/>
-          </a:p>
-        </p:txBody>
-      </p:sp>
-      <p:sp>
-        <p:nvSpPr>
-          <p:cNvPr id="374" name="Google Shape;374;p28"/>
-          <p:cNvSpPr txBox="1"/>
-          <p:nvPr>
-            <p:ph idx="1" type="body"/>
-          </p:nvPr>
-        </p:nvSpPr>
-        <p:spPr>
-          <a:xfrm>
-            <a:off x="900050" y="1312202"/>
-            <a:ext cx="7029600" cy="2519100"/>
-          </a:xfrm>
-          <a:prstGeom prst="rect">
-            <a:avLst/>
-          </a:prstGeom>
-        </p:spPr>
-        <p:txBody>
-          <a:bodyPr anchorCtr="0" anchor="t" bIns="34275" lIns="68575" spcFirstLastPara="1" rIns="68575" wrap="square" tIns="34275">
-            <a:normAutofit/>
-          </a:bodyPr>
-          <a:lstStyle/>
-          <a:p>
-            <a:pPr indent="-304800" lvl="0" marL="457200" rtl="0" algn="l">
-              <a:spcBef>
-                <a:spcPts val="800"/>
-              </a:spcBef>
-              <a:spcAft>
-                <a:spcPts val="0"/>
-              </a:spcAft>
-              <a:buSzPts val="1200"/>
-              <a:buChar char="●"/>
-            </a:pPr>
-            <a:r>
-              <a:rPr lang="pl" sz="1200"/>
-              <a:t>Służy nam do tworzenia odpowiednich modeli w bazach danych</a:t>
-            </a:r>
-            <a:endParaRPr sz="1200"/>
-          </a:p>
-          <a:p>
-            <a:pPr indent="-304800" lvl="0" marL="457200" rtl="0" algn="l">
-              <a:spcBef>
-                <a:spcPts val="0"/>
-              </a:spcBef>
-              <a:spcAft>
-                <a:spcPts val="0"/>
-              </a:spcAft>
-              <a:buSzPts val="1200"/>
-              <a:buChar char="●"/>
-            </a:pPr>
-            <a:r>
-              <a:rPr lang="pl" sz="1200"/>
-              <a:t>Każdy model musimy “zarejestrować” w pliku admin.py naszej aplikacji</a:t>
-            </a:r>
-            <a:endParaRPr sz="1200"/>
-          </a:p>
-          <a:p>
-            <a:pPr indent="0" lvl="0" marL="457200" rtl="0" algn="l">
-              <a:spcBef>
-                <a:spcPts val="800"/>
-              </a:spcBef>
-              <a:spcAft>
-                <a:spcPts val="0"/>
-              </a:spcAft>
-              <a:buNone/>
-            </a:pPr>
-            <a:r>
-              <a:t/>
-            </a:r>
-            <a:endParaRPr sz="1200"/>
-          </a:p>
-          <a:p>
-            <a:pPr indent="0" lvl="0" marL="457200" rtl="0" algn="l">
-              <a:spcBef>
-                <a:spcPts val="800"/>
-              </a:spcBef>
-              <a:spcAft>
-                <a:spcPts val="0"/>
-              </a:spcAft>
-              <a:buNone/>
-            </a:pPr>
-            <a:r>
-              <a:t/>
-            </a:r>
-            <a:endParaRPr sz="1200"/>
-          </a:p>
-          <a:p>
-            <a:pPr indent="-304800" lvl="0" marL="457200" rtl="0" algn="l">
-              <a:spcBef>
-                <a:spcPts val="800"/>
-              </a:spcBef>
-              <a:spcAft>
-                <a:spcPts val="0"/>
-              </a:spcAft>
-              <a:buSzPts val="1200"/>
-              <a:buChar char="●"/>
-            </a:pPr>
-            <a:r>
-              <a:rPr lang="pl" sz="1200"/>
-              <a:t>Po stworzeniu naszego modelu wykonujemy dwie komendy:</a:t>
-            </a:r>
-            <a:endParaRPr sz="1200"/>
-          </a:p>
-          <a:p>
-            <a:pPr indent="0" lvl="0" marL="457200" rtl="0" algn="l">
-              <a:spcBef>
-                <a:spcPts val="800"/>
-              </a:spcBef>
-              <a:spcAft>
-                <a:spcPts val="0"/>
-              </a:spcAft>
-              <a:buNone/>
-            </a:pPr>
-            <a:r>
-              <a:rPr lang="pl" sz="1200"/>
-              <a:t>python manage.py makemigrations</a:t>
-            </a:r>
-            <a:endParaRPr sz="1200"/>
-          </a:p>
-          <a:p>
-            <a:pPr indent="0" lvl="0" marL="457200" rtl="0" algn="l">
-              <a:spcBef>
-                <a:spcPts val="800"/>
-              </a:spcBef>
-              <a:spcAft>
-                <a:spcPts val="0"/>
-              </a:spcAft>
-              <a:buNone/>
-            </a:pPr>
-            <a:r>
-              <a:rPr lang="pl" sz="1200"/>
-              <a:t>python manage.py migrate </a:t>
-            </a:r>
-            <a:endParaRPr sz="1200"/>
-          </a:p>
-          <a:p>
-            <a:pPr indent="0" lvl="0" marL="914400" rtl="0" algn="l">
-              <a:spcBef>
-                <a:spcPts val="800"/>
-              </a:spcBef>
-              <a:spcAft>
-                <a:spcPts val="0"/>
-              </a:spcAft>
-              <a:buNone/>
-            </a:pPr>
-            <a:r>
-              <a:t/>
-            </a:r>
-            <a:endParaRPr sz="1200"/>
-          </a:p>
-          <a:p>
-            <a:pPr indent="0" lvl="0" marL="457200" rtl="0" algn="l">
-              <a:spcBef>
-                <a:spcPts val="800"/>
-              </a:spcBef>
-              <a:spcAft>
-                <a:spcPts val="0"/>
-              </a:spcAft>
-              <a:buNone/>
-            </a:pPr>
-            <a:r>
-              <a:t/>
-            </a:r>
-            <a:endParaRPr sz="1200"/>
-          </a:p>
-        </p:txBody>
-      </p:sp>
-      <p:pic>
-        <p:nvPicPr>
-          <p:cNvPr id="375" name="Google Shape;375;p28"/>
-          <p:cNvPicPr preferRelativeResize="0"/>
-          <p:nvPr/>
-        </p:nvPicPr>
-        <p:blipFill>
-          <a:blip r:embed="rId3">
-            <a:alphaModFix/>
-          </a:blip>
-          <a:stretch>
-            <a:fillRect/>
-          </a:stretch>
-        </p:blipFill>
-        <p:spPr>
-          <a:xfrm>
-            <a:off x="1135675" y="3135125"/>
-            <a:ext cx="4546875" cy="1791550"/>
-          </a:xfrm>
-          <a:prstGeom prst="rect">
-            <a:avLst/>
-          </a:prstGeom>
-          <a:noFill/>
-          <a:ln>
-            <a:noFill/>
-          </a:ln>
-        </p:spPr>
-      </p:pic>
-      <p:pic>
-        <p:nvPicPr>
-          <p:cNvPr id="376" name="Google Shape;376;p28"/>
-          <p:cNvPicPr preferRelativeResize="0"/>
-          <p:nvPr/>
-        </p:nvPicPr>
-        <p:blipFill>
-          <a:blip r:embed="rId4">
-            <a:alphaModFix/>
-          </a:blip>
-          <a:stretch>
-            <a:fillRect/>
-          </a:stretch>
-        </p:blipFill>
-        <p:spPr>
-          <a:xfrm>
-            <a:off x="1343900" y="1681502"/>
-            <a:ext cx="2047875" cy="581025"/>
-          </a:xfrm>
-          <a:prstGeom prst="rect">
-            <a:avLst/>
-          </a:prstGeom>
-          <a:noFill/>
-          <a:ln>
-            <a:noFill/>
-          </a:ln>
-        </p:spPr>
-      </p:pic>
-    </p:spTree>
-  </p:cSld>
-  <p:clrMapOvr>
-    <a:masterClrMapping/>
-  </p:clrMapOvr>
-</p:sld>
-</file>
-
-<file path=ppt/slides/slide9.xml><?xml version="1.0" encoding="utf-8"?>
-<p:sld xmlns:a="http://schemas.openxmlformats.org/drawingml/2006/main" xmlns:r="http://schemas.openxmlformats.org/officeDocument/2006/relationships" xmlns:mc="http://schemas.openxmlformats.org/markup-compatibility/2006" xmlns:mv="urn:schemas-microsoft-com:mac:vml" xmlns:p="http://schemas.openxmlformats.org/presentationml/2006/main" xmlns:c="http://schemas.openxmlformats.org/drawingml/2006/chart" xmlns:dgm="http://schemas.openxmlformats.org/drawingml/2006/diagram" xmlns:o="urn:schemas-microsoft-com:office:office" xmlns:v="urn:schemas-microsoft-com:vml" xmlns:pvml="urn:schemas-microsoft-com:office:powerpoint" xmlns:com="http://schemas.openxmlformats.org/drawingml/2006/compatibility" xmlns:p14="http://schemas.microsoft.com/office/powerpoint/2010/main" xmlns:p15="http://schemas.microsoft.com/office/powerpoint/2012/main" xmlns:ahyp="http://schemas.microsoft.com/office/drawing/2018/hyperlinkcolor">
-  <p:cSld>
-    <p:spTree>
-      <p:nvGrpSpPr>
-        <p:cNvPr id="380" name="Shape 380"/>
-        <p:cNvGrpSpPr/>
-        <p:nvPr/>
-      </p:nvGrpSpPr>
-      <p:grpSpPr>
-        <a:xfrm>
-          <a:off x="0" y="0"/>
-          <a:ext cx="0" cy="0"/>
-          <a:chOff x="0" y="0"/>
-          <a:chExt cx="0" cy="0"/>
-        </a:xfrm>
-      </p:grpSpPr>
-      <p:sp>
-        <p:nvSpPr>
-          <p:cNvPr id="381" name="Google Shape;381;p29"/>
-          <p:cNvSpPr txBox="1"/>
-          <p:nvPr>
-            <p:ph type="title"/>
-          </p:nvPr>
-        </p:nvSpPr>
-        <p:spPr>
-          <a:xfrm>
-            <a:off x="333375" y="407194"/>
-            <a:ext cx="8410500" cy="401700"/>
-          </a:xfrm>
-          <a:prstGeom prst="rect">
-            <a:avLst/>
-          </a:prstGeom>
-        </p:spPr>
-        <p:txBody>
-          <a:bodyPr anchorCtr="0" anchor="t" bIns="34275" lIns="68575" spcFirstLastPara="1" rIns="68575" wrap="square" tIns="34275">
-            <a:spAutoFit/>
-          </a:bodyPr>
-          <a:lstStyle/>
-          <a:p>
-            <a:pPr indent="0" lvl="0" marL="0" rtl="0" algn="l">
-              <a:spcBef>
-                <a:spcPts val="0"/>
-              </a:spcBef>
-              <a:spcAft>
-                <a:spcPts val="0"/>
-              </a:spcAft>
-              <a:buNone/>
-            </a:pPr>
-            <a:r>
-              <a:rPr lang="pl"/>
-              <a:t>forms.py</a:t>
-            </a:r>
-            <a:endParaRPr/>
-          </a:p>
-        </p:txBody>
-      </p:sp>
-      <p:sp>
-        <p:nvSpPr>
-          <p:cNvPr id="382" name="Google Shape;382;p29"/>
-          <p:cNvSpPr txBox="1"/>
-          <p:nvPr>
-            <p:ph idx="2" type="body"/>
-          </p:nvPr>
-        </p:nvSpPr>
-        <p:spPr>
-          <a:xfrm>
-            <a:off x="446403" y="1094700"/>
-            <a:ext cx="7953900" cy="3434400"/>
-          </a:xfrm>
-          <a:prstGeom prst="rect">
-            <a:avLst/>
-          </a:prstGeom>
-        </p:spPr>
-        <p:txBody>
-          <a:bodyPr anchorCtr="0" anchor="t" bIns="34275" lIns="68575" spcFirstLastPara="1" rIns="68575" wrap="square" tIns="34275">
-            <a:normAutofit/>
-          </a:bodyPr>
-          <a:lstStyle/>
-          <a:p>
-            <a:pPr indent="-304800" lvl="0" marL="457200" rtl="0" algn="l">
-              <a:spcBef>
-                <a:spcPts val="800"/>
-              </a:spcBef>
-              <a:spcAft>
-                <a:spcPts val="0"/>
-              </a:spcAft>
-              <a:buSzPts val="1200"/>
-              <a:buChar char="•"/>
-            </a:pPr>
-            <a:r>
-              <a:rPr lang="pl" sz="1200"/>
-              <a:t>Służy nam do tworzenia formularzy na stronie, dzięki temu możemy stworzyć obiekt lub edytować jego pola używając przeglądarki </a:t>
-            </a:r>
-            <a:endParaRPr sz="1200"/>
-          </a:p>
-          <a:p>
-            <a:pPr indent="-304800" lvl="0" marL="457200" rtl="0" algn="l">
-              <a:spcBef>
-                <a:spcPts val="0"/>
-              </a:spcBef>
-              <a:spcAft>
-                <a:spcPts val="0"/>
-              </a:spcAft>
-              <a:buSzPts val="1200"/>
-              <a:buChar char="•"/>
-            </a:pPr>
-            <a:r>
-              <a:rPr lang="pl" sz="1200"/>
-              <a:t>class Meta służy nam do tego aby podać z jakiego modelu będzie korzystać ( zmienna model ) oraz zmienna fields czyli, których pól z modelu chcemy używać ( np. title, name itd. ) </a:t>
-            </a:r>
-            <a:endParaRPr sz="1200"/>
-          </a:p>
-        </p:txBody>
-      </p:sp>
-      <p:pic>
-        <p:nvPicPr>
-          <p:cNvPr id="383" name="Google Shape;383;p29"/>
-          <p:cNvPicPr preferRelativeResize="0"/>
-          <p:nvPr/>
-        </p:nvPicPr>
-        <p:blipFill>
-          <a:blip r:embed="rId3">
-            <a:alphaModFix/>
-          </a:blip>
-          <a:stretch>
-            <a:fillRect/>
-          </a:stretch>
-        </p:blipFill>
-        <p:spPr>
-          <a:xfrm>
-            <a:off x="784813" y="2071675"/>
-            <a:ext cx="2847975" cy="1000125"/>
-          </a:xfrm>
-          <a:prstGeom prst="rect">
-            <a:avLst/>
-          </a:prstGeom>
-          <a:noFill/>
-          <a:ln>
-            <a:noFill/>
-          </a:ln>
-        </p:spPr>
-      </p:pic>
-      <p:pic>
-        <p:nvPicPr>
-          <p:cNvPr id="384" name="Google Shape;384;p29"/>
-          <p:cNvPicPr preferRelativeResize="0"/>
-          <p:nvPr/>
-        </p:nvPicPr>
-        <p:blipFill>
-          <a:blip r:embed="rId4">
-            <a:alphaModFix/>
-          </a:blip>
-          <a:stretch>
-            <a:fillRect/>
-          </a:stretch>
-        </p:blipFill>
-        <p:spPr>
-          <a:xfrm>
-            <a:off x="4261700" y="2026751"/>
-            <a:ext cx="4031564" cy="2420775"/>
-          </a:xfrm>
-          <a:prstGeom prst="rect">
-            <a:avLst/>
-          </a:prstGeom>
-          <a:noFill/>
-          <a:ln>
-            <a:noFill/>
-          </a:ln>
-        </p:spPr>
-      </p:pic>
-      <p:pic>
-        <p:nvPicPr>
-          <p:cNvPr id="385" name="Google Shape;385;p29"/>
-          <p:cNvPicPr preferRelativeResize="0"/>
-          <p:nvPr/>
-        </p:nvPicPr>
-        <p:blipFill>
-          <a:blip r:embed="rId5">
-            <a:alphaModFix/>
-          </a:blip>
-          <a:stretch>
-            <a:fillRect/>
-          </a:stretch>
-        </p:blipFill>
-        <p:spPr>
-          <a:xfrm>
-            <a:off x="400038" y="3297300"/>
-            <a:ext cx="3419475" cy="990600"/>
           </a:xfrm>
           <a:prstGeom prst="rect">
             <a:avLst/>
